--- a/defensa/contenidos-tactica/trabajo-2-defensor.pptx
+++ b/defensa/contenidos-tactica/trabajo-2-defensor.pptx
@@ -6,14 +6,16 @@
   </p:sldMasterIdLst>
   <p:sldIdLst>
     <p:sldId id="256" r:id="rId2"/>
-    <p:sldId id="257" r:id="rId3"/>
-    <p:sldId id="264" r:id="rId4"/>
-    <p:sldId id="265" r:id="rId5"/>
-    <p:sldId id="266" r:id="rId6"/>
-    <p:sldId id="267" r:id="rId7"/>
-    <p:sldId id="268" r:id="rId8"/>
-    <p:sldId id="269" r:id="rId9"/>
-    <p:sldId id="258" r:id="rId10"/>
+    <p:sldId id="270" r:id="rId3"/>
+    <p:sldId id="257" r:id="rId4"/>
+    <p:sldId id="264" r:id="rId5"/>
+    <p:sldId id="265" r:id="rId6"/>
+    <p:sldId id="266" r:id="rId7"/>
+    <p:sldId id="267" r:id="rId8"/>
+    <p:sldId id="268" r:id="rId9"/>
+    <p:sldId id="269" r:id="rId10"/>
+    <p:sldId id="271" r:id="rId11"/>
+    <p:sldId id="258" r:id="rId12"/>
   </p:sldIdLst>
   <p:sldSz cx="9144000" cy="6858000" type="screen4x3"/>
   <p:notesSz cx="6858000" cy="9144000"/>
@@ -4212,7 +4214,1503 @@
 </p:sld>
 </file>
 
+<file path=ppt/slides/slide10.xml><?xml version="1.0" encoding="utf-8"?>
+<p:sld xmlns:a="http://schemas.openxmlformats.org/drawingml/2006/main" xmlns:r="http://schemas.openxmlformats.org/officeDocument/2006/relationships" xmlns:p="http://schemas.openxmlformats.org/presentationml/2006/main">
+  <p:cSld>
+    <p:spTree>
+      <p:nvGrpSpPr>
+        <p:cNvPr id="1" name=""/>
+        <p:cNvGrpSpPr/>
+        <p:nvPr/>
+      </p:nvGrpSpPr>
+      <p:grpSpPr>
+        <a:xfrm>
+          <a:off x="0" y="0"/>
+          <a:ext cx="0" cy="0"/>
+          <a:chOff x="0" y="0"/>
+          <a:chExt cx="0" cy="0"/>
+        </a:xfrm>
+      </p:grpSpPr>
+      <p:sp>
+        <p:nvSpPr>
+          <p:cNvPr id="2" name="1 Título"/>
+          <p:cNvSpPr>
+            <a:spLocks noGrp="1"/>
+          </p:cNvSpPr>
+          <p:nvPr>
+            <p:ph type="title"/>
+          </p:nvPr>
+        </p:nvSpPr>
+        <p:spPr/>
+        <p:txBody>
+          <a:bodyPr/>
+          <a:lstStyle/>
+          <a:p>
+            <a:r>
+              <a:rPr lang="es-ES" sz="4400" dirty="0" smtClean="0"/>
+              <a:t>Iniciando las acciones el </a:t>
+            </a:r>
+            <a:r>
+              <a:rPr lang="es-ES" sz="4400" smtClean="0"/>
+              <a:t>Lateral Derecho</a:t>
+            </a:r>
+            <a:endParaRPr lang="es-ES" dirty="0"/>
+          </a:p>
+        </p:txBody>
+      </p:sp>
+      <p:sp>
+        <p:nvSpPr>
+          <p:cNvPr id="3" name="2 Marcador de texto"/>
+          <p:cNvSpPr>
+            <a:spLocks noGrp="1"/>
+          </p:cNvSpPr>
+          <p:nvPr>
+            <p:ph type="body" idx="1"/>
+          </p:nvPr>
+        </p:nvSpPr>
+        <p:spPr/>
+        <p:txBody>
+          <a:bodyPr/>
+          <a:lstStyle/>
+          <a:p>
+            <a:endParaRPr lang="es-ES" dirty="0"/>
+          </a:p>
+        </p:txBody>
+      </p:sp>
+    </p:spTree>
+  </p:cSld>
+  <p:clrMapOvr>
+    <a:masterClrMapping/>
+  </p:clrMapOvr>
+</p:sld>
+</file>
+
+<file path=ppt/slides/slide11.xml><?xml version="1.0" encoding="utf-8"?>
+<p:sld xmlns:a="http://schemas.openxmlformats.org/drawingml/2006/main" xmlns:r="http://schemas.openxmlformats.org/officeDocument/2006/relationships" xmlns:p="http://schemas.openxmlformats.org/presentationml/2006/main">
+  <p:cSld>
+    <p:spTree>
+      <p:nvGrpSpPr>
+        <p:cNvPr id="1" name=""/>
+        <p:cNvGrpSpPr/>
+        <p:nvPr/>
+      </p:nvGrpSpPr>
+      <p:grpSpPr>
+        <a:xfrm>
+          <a:off x="0" y="0"/>
+          <a:ext cx="0" cy="0"/>
+          <a:chOff x="0" y="0"/>
+          <a:chExt cx="0" cy="0"/>
+        </a:xfrm>
+      </p:grpSpPr>
+      <p:grpSp>
+        <p:nvGrpSpPr>
+          <p:cNvPr id="37" name="Group 26"/>
+          <p:cNvGrpSpPr>
+            <a:grpSpLocks/>
+          </p:cNvGrpSpPr>
+          <p:nvPr/>
+        </p:nvGrpSpPr>
+        <p:grpSpPr bwMode="auto">
+          <a:xfrm rot="10800000">
+            <a:off x="3143240" y="1714488"/>
+            <a:ext cx="2071702" cy="1428760"/>
+            <a:chOff x="1846" y="2556"/>
+            <a:chExt cx="7952" cy="5822"/>
+          </a:xfrm>
+        </p:grpSpPr>
+        <p:sp>
+          <p:nvSpPr>
+            <p:cNvPr id="52" name="Rectangle 27"/>
+            <p:cNvSpPr>
+              <a:spLocks noChangeArrowheads="1"/>
+            </p:cNvSpPr>
+            <p:nvPr/>
+          </p:nvSpPr>
+          <p:spPr bwMode="auto">
+            <a:xfrm>
+              <a:off x="1846" y="2645"/>
+              <a:ext cx="7952" cy="5733"/>
+            </a:xfrm>
+            <a:prstGeom prst="rect">
+              <a:avLst/>
+            </a:prstGeom>
+            <a:solidFill>
+              <a:srgbClr val="FFFFFF"/>
+            </a:solidFill>
+            <a:ln w="25400">
+              <a:solidFill>
+                <a:srgbClr val="000000"/>
+              </a:solidFill>
+              <a:miter lim="800000"/>
+              <a:headEnd/>
+              <a:tailEnd/>
+            </a:ln>
+          </p:spPr>
+          <p:txBody>
+            <a:bodyPr/>
+            <a:lstStyle/>
+            <a:p>
+              <a:endParaRPr lang="es-ES"/>
+            </a:p>
+          </p:txBody>
+        </p:sp>
+        <p:sp>
+          <p:nvSpPr>
+            <p:cNvPr id="53" name="Arc 28"/>
+            <p:cNvSpPr>
+              <a:spLocks/>
+            </p:cNvSpPr>
+            <p:nvPr/>
+          </p:nvSpPr>
+          <p:spPr bwMode="auto">
+            <a:xfrm flipH="1" flipV="1">
+              <a:off x="2889" y="2645"/>
+              <a:ext cx="2346" cy="2293"/>
+            </a:xfrm>
+            <a:custGeom>
+              <a:avLst/>
+              <a:gdLst>
+                <a:gd name="T0" fmla="*/ 0 w 21600"/>
+                <a:gd name="T1" fmla="*/ 0 h 21600"/>
+                <a:gd name="T2" fmla="*/ 255 w 21600"/>
+                <a:gd name="T3" fmla="*/ 243 h 21600"/>
+                <a:gd name="T4" fmla="*/ 0 w 21600"/>
+                <a:gd name="T5" fmla="*/ 243 h 21600"/>
+                <a:gd name="T6" fmla="*/ 0 60000 65536"/>
+                <a:gd name="T7" fmla="*/ 0 60000 65536"/>
+                <a:gd name="T8" fmla="*/ 0 60000 65536"/>
+                <a:gd name="T9" fmla="*/ 0 w 21600"/>
+                <a:gd name="T10" fmla="*/ 0 h 21600"/>
+                <a:gd name="T11" fmla="*/ 21600 w 21600"/>
+                <a:gd name="T12" fmla="*/ 21600 h 21600"/>
+              </a:gdLst>
+              <a:ahLst/>
+              <a:cxnLst>
+                <a:cxn ang="T6">
+                  <a:pos x="T0" y="T1"/>
+                </a:cxn>
+                <a:cxn ang="T7">
+                  <a:pos x="T2" y="T3"/>
+                </a:cxn>
+                <a:cxn ang="T8">
+                  <a:pos x="T4" y="T5"/>
+                </a:cxn>
+              </a:cxnLst>
+              <a:rect l="T9" t="T10" r="T11" b="T12"/>
+              <a:pathLst>
+                <a:path w="21600" h="21600" fill="none" extrusionOk="0">
+                  <a:moveTo>
+                    <a:pt x="-1" y="0"/>
+                  </a:moveTo>
+                  <a:cubicBezTo>
+                    <a:pt x="11929" y="0"/>
+                    <a:pt x="21600" y="9670"/>
+                    <a:pt x="21600" y="21600"/>
+                  </a:cubicBezTo>
+                </a:path>
+                <a:path w="21600" h="21600" stroke="0" extrusionOk="0">
+                  <a:moveTo>
+                    <a:pt x="-1" y="0"/>
+                  </a:moveTo>
+                  <a:cubicBezTo>
+                    <a:pt x="11929" y="0"/>
+                    <a:pt x="21600" y="9670"/>
+                    <a:pt x="21600" y="21600"/>
+                  </a:cubicBezTo>
+                  <a:lnTo>
+                    <a:pt x="0" y="21600"/>
+                  </a:lnTo>
+                  <a:close/>
+                </a:path>
+              </a:pathLst>
+            </a:custGeom>
+            <a:noFill/>
+            <a:ln w="19050">
+              <a:solidFill>
+                <a:srgbClr val="000000"/>
+              </a:solidFill>
+              <a:round/>
+              <a:headEnd/>
+              <a:tailEnd/>
+            </a:ln>
+          </p:spPr>
+          <p:txBody>
+            <a:bodyPr/>
+            <a:lstStyle/>
+            <a:p>
+              <a:endParaRPr lang="es-ES"/>
+            </a:p>
+          </p:txBody>
+        </p:sp>
+        <p:sp>
+          <p:nvSpPr>
+            <p:cNvPr id="54" name="Line 29"/>
+            <p:cNvSpPr>
+              <a:spLocks noChangeShapeType="1"/>
+            </p:cNvSpPr>
+            <p:nvPr/>
+          </p:nvSpPr>
+          <p:spPr bwMode="auto">
+            <a:xfrm>
+              <a:off x="5235" y="4938"/>
+              <a:ext cx="1174" cy="0"/>
+            </a:xfrm>
+            <a:prstGeom prst="line">
+              <a:avLst/>
+            </a:prstGeom>
+            <a:noFill/>
+            <a:ln w="19050">
+              <a:solidFill>
+                <a:srgbClr val="000000"/>
+              </a:solidFill>
+              <a:round/>
+              <a:headEnd/>
+              <a:tailEnd/>
+            </a:ln>
+          </p:spPr>
+          <p:txBody>
+            <a:bodyPr/>
+            <a:lstStyle/>
+            <a:p>
+              <a:endParaRPr lang="es-ES"/>
+            </a:p>
+          </p:txBody>
+        </p:sp>
+        <p:sp>
+          <p:nvSpPr>
+            <p:cNvPr id="55" name="Rectangle 30"/>
+            <p:cNvSpPr>
+              <a:spLocks noChangeArrowheads="1"/>
+            </p:cNvSpPr>
+            <p:nvPr/>
+          </p:nvSpPr>
+          <p:spPr bwMode="auto">
+            <a:xfrm>
+              <a:off x="5235" y="2556"/>
+              <a:ext cx="1174" cy="156"/>
+            </a:xfrm>
+            <a:prstGeom prst="rect">
+              <a:avLst/>
+            </a:prstGeom>
+            <a:solidFill>
+              <a:srgbClr val="000000"/>
+            </a:solidFill>
+            <a:ln w="9525">
+              <a:solidFill>
+                <a:srgbClr val="000000"/>
+              </a:solidFill>
+              <a:miter lim="800000"/>
+              <a:headEnd/>
+              <a:tailEnd/>
+            </a:ln>
+          </p:spPr>
+          <p:txBody>
+            <a:bodyPr/>
+            <a:lstStyle/>
+            <a:p>
+              <a:endParaRPr lang="es-ES"/>
+            </a:p>
+          </p:txBody>
+        </p:sp>
+        <p:sp>
+          <p:nvSpPr>
+            <p:cNvPr id="56" name="Arc 31"/>
+            <p:cNvSpPr>
+              <a:spLocks/>
+            </p:cNvSpPr>
+            <p:nvPr/>
+          </p:nvSpPr>
+          <p:spPr bwMode="auto">
+            <a:xfrm flipV="1">
+              <a:off x="6409" y="2645"/>
+              <a:ext cx="2346" cy="2293"/>
+            </a:xfrm>
+            <a:custGeom>
+              <a:avLst/>
+              <a:gdLst>
+                <a:gd name="T0" fmla="*/ 0 w 21600"/>
+                <a:gd name="T1" fmla="*/ 0 h 21600"/>
+                <a:gd name="T2" fmla="*/ 255 w 21600"/>
+                <a:gd name="T3" fmla="*/ 243 h 21600"/>
+                <a:gd name="T4" fmla="*/ 0 w 21600"/>
+                <a:gd name="T5" fmla="*/ 243 h 21600"/>
+                <a:gd name="T6" fmla="*/ 0 60000 65536"/>
+                <a:gd name="T7" fmla="*/ 0 60000 65536"/>
+                <a:gd name="T8" fmla="*/ 0 60000 65536"/>
+                <a:gd name="T9" fmla="*/ 0 w 21600"/>
+                <a:gd name="T10" fmla="*/ 0 h 21600"/>
+                <a:gd name="T11" fmla="*/ 21600 w 21600"/>
+                <a:gd name="T12" fmla="*/ 21600 h 21600"/>
+              </a:gdLst>
+              <a:ahLst/>
+              <a:cxnLst>
+                <a:cxn ang="T6">
+                  <a:pos x="T0" y="T1"/>
+                </a:cxn>
+                <a:cxn ang="T7">
+                  <a:pos x="T2" y="T3"/>
+                </a:cxn>
+                <a:cxn ang="T8">
+                  <a:pos x="T4" y="T5"/>
+                </a:cxn>
+              </a:cxnLst>
+              <a:rect l="T9" t="T10" r="T11" b="T12"/>
+              <a:pathLst>
+                <a:path w="21600" h="21600" fill="none" extrusionOk="0">
+                  <a:moveTo>
+                    <a:pt x="-1" y="0"/>
+                  </a:moveTo>
+                  <a:cubicBezTo>
+                    <a:pt x="11929" y="0"/>
+                    <a:pt x="21600" y="9670"/>
+                    <a:pt x="21600" y="21600"/>
+                  </a:cubicBezTo>
+                </a:path>
+                <a:path w="21600" h="21600" stroke="0" extrusionOk="0">
+                  <a:moveTo>
+                    <a:pt x="-1" y="0"/>
+                  </a:moveTo>
+                  <a:cubicBezTo>
+                    <a:pt x="11929" y="0"/>
+                    <a:pt x="21600" y="9670"/>
+                    <a:pt x="21600" y="21600"/>
+                  </a:cubicBezTo>
+                  <a:lnTo>
+                    <a:pt x="0" y="21600"/>
+                  </a:lnTo>
+                  <a:close/>
+                </a:path>
+              </a:pathLst>
+            </a:custGeom>
+            <a:noFill/>
+            <a:ln w="19050">
+              <a:solidFill>
+                <a:srgbClr val="000000"/>
+              </a:solidFill>
+              <a:round/>
+              <a:headEnd/>
+              <a:tailEnd/>
+            </a:ln>
+          </p:spPr>
+          <p:txBody>
+            <a:bodyPr/>
+            <a:lstStyle/>
+            <a:p>
+              <a:endParaRPr lang="es-ES"/>
+            </a:p>
+          </p:txBody>
+        </p:sp>
+        <p:sp>
+          <p:nvSpPr>
+            <p:cNvPr id="57" name="Arc 32"/>
+            <p:cNvSpPr>
+              <a:spLocks/>
+            </p:cNvSpPr>
+            <p:nvPr/>
+          </p:nvSpPr>
+          <p:spPr bwMode="auto">
+            <a:xfrm flipH="1" flipV="1">
+              <a:off x="1846" y="3792"/>
+              <a:ext cx="3389" cy="2293"/>
+            </a:xfrm>
+            <a:custGeom>
+              <a:avLst/>
+              <a:gdLst>
+                <a:gd name="T0" fmla="*/ 0 w 21600"/>
+                <a:gd name="T1" fmla="*/ 0 h 21600"/>
+                <a:gd name="T2" fmla="*/ 532 w 21600"/>
+                <a:gd name="T3" fmla="*/ 243 h 21600"/>
+                <a:gd name="T4" fmla="*/ 0 w 21600"/>
+                <a:gd name="T5" fmla="*/ 243 h 21600"/>
+                <a:gd name="T6" fmla="*/ 0 60000 65536"/>
+                <a:gd name="T7" fmla="*/ 0 60000 65536"/>
+                <a:gd name="T8" fmla="*/ 0 60000 65536"/>
+                <a:gd name="T9" fmla="*/ 0 w 21600"/>
+                <a:gd name="T10" fmla="*/ 0 h 21600"/>
+                <a:gd name="T11" fmla="*/ 21600 w 21600"/>
+                <a:gd name="T12" fmla="*/ 21600 h 21600"/>
+              </a:gdLst>
+              <a:ahLst/>
+              <a:cxnLst>
+                <a:cxn ang="T6">
+                  <a:pos x="T0" y="T1"/>
+                </a:cxn>
+                <a:cxn ang="T7">
+                  <a:pos x="T2" y="T3"/>
+                </a:cxn>
+                <a:cxn ang="T8">
+                  <a:pos x="T4" y="T5"/>
+                </a:cxn>
+              </a:cxnLst>
+              <a:rect l="T9" t="T10" r="T11" b="T12"/>
+              <a:pathLst>
+                <a:path w="21600" h="21600" fill="none" extrusionOk="0">
+                  <a:moveTo>
+                    <a:pt x="-1" y="0"/>
+                  </a:moveTo>
+                  <a:cubicBezTo>
+                    <a:pt x="11929" y="0"/>
+                    <a:pt x="21600" y="9670"/>
+                    <a:pt x="21600" y="21600"/>
+                  </a:cubicBezTo>
+                </a:path>
+                <a:path w="21600" h="21600" stroke="0" extrusionOk="0">
+                  <a:moveTo>
+                    <a:pt x="-1" y="0"/>
+                  </a:moveTo>
+                  <a:cubicBezTo>
+                    <a:pt x="11929" y="0"/>
+                    <a:pt x="21600" y="9670"/>
+                    <a:pt x="21600" y="21600"/>
+                  </a:cubicBezTo>
+                  <a:lnTo>
+                    <a:pt x="0" y="21600"/>
+                  </a:lnTo>
+                  <a:close/>
+                </a:path>
+              </a:pathLst>
+            </a:custGeom>
+            <a:noFill/>
+            <a:ln w="19050">
+              <a:solidFill>
+                <a:srgbClr val="000000"/>
+              </a:solidFill>
+              <a:prstDash val="dash"/>
+              <a:round/>
+              <a:headEnd/>
+              <a:tailEnd/>
+            </a:ln>
+          </p:spPr>
+          <p:txBody>
+            <a:bodyPr/>
+            <a:lstStyle/>
+            <a:p>
+              <a:endParaRPr lang="es-ES"/>
+            </a:p>
+          </p:txBody>
+        </p:sp>
+        <p:sp>
+          <p:nvSpPr>
+            <p:cNvPr id="58" name="Arc 33"/>
+            <p:cNvSpPr>
+              <a:spLocks/>
+            </p:cNvSpPr>
+            <p:nvPr/>
+          </p:nvSpPr>
+          <p:spPr bwMode="auto">
+            <a:xfrm flipV="1">
+              <a:off x="6409" y="3792"/>
+              <a:ext cx="3389" cy="2293"/>
+            </a:xfrm>
+            <a:custGeom>
+              <a:avLst/>
+              <a:gdLst>
+                <a:gd name="T0" fmla="*/ 0 w 21600"/>
+                <a:gd name="T1" fmla="*/ 0 h 21600"/>
+                <a:gd name="T2" fmla="*/ 532 w 21600"/>
+                <a:gd name="T3" fmla="*/ 243 h 21600"/>
+                <a:gd name="T4" fmla="*/ 0 w 21600"/>
+                <a:gd name="T5" fmla="*/ 243 h 21600"/>
+                <a:gd name="T6" fmla="*/ 0 60000 65536"/>
+                <a:gd name="T7" fmla="*/ 0 60000 65536"/>
+                <a:gd name="T8" fmla="*/ 0 60000 65536"/>
+                <a:gd name="T9" fmla="*/ 0 w 21600"/>
+                <a:gd name="T10" fmla="*/ 0 h 21600"/>
+                <a:gd name="T11" fmla="*/ 21600 w 21600"/>
+                <a:gd name="T12" fmla="*/ 21600 h 21600"/>
+              </a:gdLst>
+              <a:ahLst/>
+              <a:cxnLst>
+                <a:cxn ang="T6">
+                  <a:pos x="T0" y="T1"/>
+                </a:cxn>
+                <a:cxn ang="T7">
+                  <a:pos x="T2" y="T3"/>
+                </a:cxn>
+                <a:cxn ang="T8">
+                  <a:pos x="T4" y="T5"/>
+                </a:cxn>
+              </a:cxnLst>
+              <a:rect l="T9" t="T10" r="T11" b="T12"/>
+              <a:pathLst>
+                <a:path w="21600" h="21600" fill="none" extrusionOk="0">
+                  <a:moveTo>
+                    <a:pt x="-1" y="0"/>
+                  </a:moveTo>
+                  <a:cubicBezTo>
+                    <a:pt x="11929" y="0"/>
+                    <a:pt x="21600" y="9670"/>
+                    <a:pt x="21600" y="21600"/>
+                  </a:cubicBezTo>
+                </a:path>
+                <a:path w="21600" h="21600" stroke="0" extrusionOk="0">
+                  <a:moveTo>
+                    <a:pt x="-1" y="0"/>
+                  </a:moveTo>
+                  <a:cubicBezTo>
+                    <a:pt x="11929" y="0"/>
+                    <a:pt x="21600" y="9670"/>
+                    <a:pt x="21600" y="21600"/>
+                  </a:cubicBezTo>
+                  <a:lnTo>
+                    <a:pt x="0" y="21600"/>
+                  </a:lnTo>
+                  <a:close/>
+                </a:path>
+              </a:pathLst>
+            </a:custGeom>
+            <a:noFill/>
+            <a:ln w="19050">
+              <a:solidFill>
+                <a:srgbClr val="000000"/>
+              </a:solidFill>
+              <a:prstDash val="dash"/>
+              <a:round/>
+              <a:headEnd/>
+              <a:tailEnd/>
+            </a:ln>
+          </p:spPr>
+          <p:txBody>
+            <a:bodyPr/>
+            <a:lstStyle/>
+            <a:p>
+              <a:endParaRPr lang="es-ES"/>
+            </a:p>
+          </p:txBody>
+        </p:sp>
+        <p:sp>
+          <p:nvSpPr>
+            <p:cNvPr id="59" name="Line 34"/>
+            <p:cNvSpPr>
+              <a:spLocks noChangeShapeType="1"/>
+            </p:cNvSpPr>
+            <p:nvPr/>
+          </p:nvSpPr>
+          <p:spPr bwMode="auto">
+            <a:xfrm>
+              <a:off x="5235" y="6085"/>
+              <a:ext cx="1174" cy="0"/>
+            </a:xfrm>
+            <a:prstGeom prst="line">
+              <a:avLst/>
+            </a:prstGeom>
+            <a:noFill/>
+            <a:ln w="19050">
+              <a:solidFill>
+                <a:srgbClr val="000000"/>
+              </a:solidFill>
+              <a:prstDash val="dash"/>
+              <a:round/>
+              <a:headEnd/>
+              <a:tailEnd/>
+            </a:ln>
+          </p:spPr>
+          <p:txBody>
+            <a:bodyPr/>
+            <a:lstStyle/>
+            <a:p>
+              <a:endParaRPr lang="es-ES"/>
+            </a:p>
+          </p:txBody>
+        </p:sp>
+      </p:grpSp>
+      <p:sp>
+        <p:nvSpPr>
+          <p:cNvPr id="38" name="Oval 35"/>
+          <p:cNvSpPr>
+            <a:spLocks noChangeArrowheads="1"/>
+          </p:cNvSpPr>
+          <p:nvPr/>
+        </p:nvSpPr>
+        <p:spPr bwMode="auto">
+          <a:xfrm rot="10800000">
+            <a:off x="6357950" y="4214818"/>
+            <a:ext cx="101554" cy="94258"/>
+          </a:xfrm>
+          <a:prstGeom prst="ellipse">
+            <a:avLst/>
+          </a:prstGeom>
+          <a:solidFill>
+            <a:srgbClr val="0000FF"/>
+          </a:solidFill>
+          <a:ln w="9525">
+            <a:solidFill>
+              <a:srgbClr val="0000FF"/>
+            </a:solidFill>
+            <a:round/>
+            <a:headEnd/>
+            <a:tailEnd/>
+          </a:ln>
+        </p:spPr>
+        <p:txBody>
+          <a:bodyPr/>
+          <a:lstStyle/>
+          <a:p>
+            <a:endParaRPr lang="es-ES"/>
+          </a:p>
+        </p:txBody>
+      </p:sp>
+      <p:sp>
+        <p:nvSpPr>
+          <p:cNvPr id="39" name="AutoShape 36"/>
+          <p:cNvSpPr>
+            <a:spLocks noChangeArrowheads="1"/>
+          </p:cNvSpPr>
+          <p:nvPr/>
+        </p:nvSpPr>
+        <p:spPr bwMode="auto">
+          <a:xfrm rot="10800000" flipV="1">
+            <a:off x="5786446" y="4071942"/>
+            <a:ext cx="135405" cy="92605"/>
+          </a:xfrm>
+          <a:prstGeom prst="triangle">
+            <a:avLst>
+              <a:gd name="adj" fmla="val 50000"/>
+            </a:avLst>
+          </a:prstGeom>
+          <a:solidFill>
+            <a:srgbClr val="FF0000"/>
+          </a:solidFill>
+          <a:ln w="9525">
+            <a:solidFill>
+              <a:srgbClr val="FF0000"/>
+            </a:solidFill>
+            <a:miter lim="800000"/>
+            <a:headEnd/>
+            <a:tailEnd/>
+          </a:ln>
+        </p:spPr>
+        <p:txBody>
+          <a:bodyPr/>
+          <a:lstStyle/>
+          <a:p>
+            <a:endParaRPr lang="es-ES"/>
+          </a:p>
+        </p:txBody>
+      </p:sp>
+      <p:sp>
+        <p:nvSpPr>
+          <p:cNvPr id="40" name="Oval 37"/>
+          <p:cNvSpPr>
+            <a:spLocks noChangeArrowheads="1"/>
+          </p:cNvSpPr>
+          <p:nvPr/>
+        </p:nvSpPr>
+        <p:spPr bwMode="auto">
+          <a:xfrm rot="10800000">
+            <a:off x="2449696" y="3024846"/>
+            <a:ext cx="35544" cy="31419"/>
+          </a:xfrm>
+          <a:prstGeom prst="ellipse">
+            <a:avLst/>
+          </a:prstGeom>
+          <a:solidFill>
+            <a:srgbClr val="000000"/>
+          </a:solidFill>
+          <a:ln w="9525">
+            <a:solidFill>
+              <a:srgbClr val="000000"/>
+            </a:solidFill>
+            <a:round/>
+            <a:headEnd/>
+            <a:tailEnd/>
+          </a:ln>
+        </p:spPr>
+        <p:txBody>
+          <a:bodyPr/>
+          <a:lstStyle/>
+          <a:p>
+            <a:endParaRPr lang="es-ES"/>
+          </a:p>
+        </p:txBody>
+      </p:sp>
+      <p:sp>
+        <p:nvSpPr>
+          <p:cNvPr id="41" name="Oval 38" descr="Diagonal descendente escura"/>
+          <p:cNvSpPr>
+            <a:spLocks noChangeArrowheads="1"/>
+          </p:cNvSpPr>
+          <p:nvPr/>
+        </p:nvSpPr>
+        <p:spPr bwMode="auto">
+          <a:xfrm rot="10800000">
+            <a:off x="4714876" y="4572008"/>
+            <a:ext cx="101554" cy="94258"/>
+          </a:xfrm>
+          <a:prstGeom prst="ellipse">
+            <a:avLst/>
+          </a:prstGeom>
+          <a:pattFill prst="dkDnDiag">
+            <a:fgClr>
+              <a:srgbClr val="000080"/>
+            </a:fgClr>
+            <a:bgClr>
+              <a:srgbClr val="FFFFFF"/>
+            </a:bgClr>
+          </a:pattFill>
+          <a:ln w="9525">
+            <a:solidFill>
+              <a:srgbClr val="000080"/>
+            </a:solidFill>
+            <a:round/>
+            <a:headEnd/>
+            <a:tailEnd/>
+          </a:ln>
+        </p:spPr>
+        <p:txBody>
+          <a:bodyPr/>
+          <a:lstStyle/>
+          <a:p>
+            <a:endParaRPr lang="es-ES"/>
+          </a:p>
+        </p:txBody>
+      </p:sp>
+      <p:sp>
+        <p:nvSpPr>
+          <p:cNvPr id="42" name="Oval 39" descr="Diagonal descendente escura"/>
+          <p:cNvSpPr>
+            <a:spLocks noChangeArrowheads="1"/>
+          </p:cNvSpPr>
+          <p:nvPr/>
+        </p:nvSpPr>
+        <p:spPr bwMode="auto">
+          <a:xfrm rot="10800000">
+            <a:off x="1896227" y="3421724"/>
+            <a:ext cx="101554" cy="94258"/>
+          </a:xfrm>
+          <a:prstGeom prst="ellipse">
+            <a:avLst/>
+          </a:prstGeom>
+          <a:pattFill prst="dkDnDiag">
+            <a:fgClr>
+              <a:srgbClr val="000080"/>
+            </a:fgClr>
+            <a:bgClr>
+              <a:srgbClr val="FFFFFF"/>
+            </a:bgClr>
+          </a:pattFill>
+          <a:ln w="9525">
+            <a:solidFill>
+              <a:srgbClr val="000080"/>
+            </a:solidFill>
+            <a:round/>
+            <a:headEnd/>
+            <a:tailEnd/>
+          </a:ln>
+        </p:spPr>
+        <p:txBody>
+          <a:bodyPr/>
+          <a:lstStyle/>
+          <a:p>
+            <a:endParaRPr lang="es-ES"/>
+          </a:p>
+        </p:txBody>
+      </p:sp>
+      <p:sp>
+        <p:nvSpPr>
+          <p:cNvPr id="43" name="AutoShape 40"/>
+          <p:cNvSpPr>
+            <a:spLocks noChangeArrowheads="1"/>
+          </p:cNvSpPr>
+          <p:nvPr/>
+        </p:nvSpPr>
+        <p:spPr bwMode="auto">
+          <a:xfrm rot="10800000" flipV="1">
+            <a:off x="2437848" y="3659851"/>
+            <a:ext cx="135405" cy="92605"/>
+          </a:xfrm>
+          <a:prstGeom prst="triangle">
+            <a:avLst>
+              <a:gd name="adj" fmla="val 50000"/>
+            </a:avLst>
+          </a:prstGeom>
+          <a:solidFill>
+            <a:srgbClr val="FF0000"/>
+          </a:solidFill>
+          <a:ln w="9525">
+            <a:solidFill>
+              <a:srgbClr val="FF0000"/>
+            </a:solidFill>
+            <a:miter lim="800000"/>
+            <a:headEnd/>
+            <a:tailEnd/>
+          </a:ln>
+        </p:spPr>
+        <p:txBody>
+          <a:bodyPr/>
+          <a:lstStyle/>
+          <a:p>
+            <a:endParaRPr lang="es-ES"/>
+          </a:p>
+        </p:txBody>
+      </p:sp>
+      <p:sp>
+        <p:nvSpPr>
+          <p:cNvPr id="44" name="AutoShape 41"/>
+          <p:cNvSpPr>
+            <a:spLocks noChangeArrowheads="1"/>
+          </p:cNvSpPr>
+          <p:nvPr/>
+        </p:nvSpPr>
+        <p:spPr bwMode="auto">
+          <a:xfrm rot="10800000" flipV="1">
+            <a:off x="2732355" y="3558977"/>
+            <a:ext cx="135405" cy="94258"/>
+          </a:xfrm>
+          <a:prstGeom prst="triangle">
+            <a:avLst>
+              <a:gd name="adj" fmla="val 50000"/>
+            </a:avLst>
+          </a:prstGeom>
+          <a:solidFill>
+            <a:srgbClr val="FF0000">
+              <a:alpha val="50195"/>
+            </a:srgbClr>
+          </a:solidFill>
+          <a:ln w="9525">
+            <a:solidFill>
+              <a:srgbClr val="FF0000"/>
+            </a:solidFill>
+            <a:prstDash val="dash"/>
+            <a:miter lim="800000"/>
+            <a:headEnd/>
+            <a:tailEnd/>
+          </a:ln>
+        </p:spPr>
+        <p:txBody>
+          <a:bodyPr/>
+          <a:lstStyle/>
+          <a:p>
+            <a:endParaRPr lang="es-ES"/>
+          </a:p>
+        </p:txBody>
+      </p:sp>
+      <p:sp>
+        <p:nvSpPr>
+          <p:cNvPr id="45" name="Line 42"/>
+          <p:cNvSpPr>
+            <a:spLocks noChangeShapeType="1"/>
+          </p:cNvSpPr>
+          <p:nvPr/>
+        </p:nvSpPr>
+        <p:spPr bwMode="auto">
+          <a:xfrm rot="10800000" flipH="1" flipV="1">
+            <a:off x="2493703" y="3072802"/>
+            <a:ext cx="480689" cy="372073"/>
+          </a:xfrm>
+          <a:prstGeom prst="line">
+            <a:avLst/>
+          </a:prstGeom>
+          <a:noFill/>
+          <a:ln w="9525">
+            <a:solidFill>
+              <a:srgbClr val="000000"/>
+            </a:solidFill>
+            <a:prstDash val="dash"/>
+            <a:round/>
+            <a:headEnd/>
+            <a:tailEnd type="triangle" w="sm" len="sm"/>
+          </a:ln>
+        </p:spPr>
+        <p:txBody>
+          <a:bodyPr/>
+          <a:lstStyle/>
+          <a:p>
+            <a:endParaRPr lang="es-ES"/>
+          </a:p>
+        </p:txBody>
+      </p:sp>
+      <p:sp>
+        <p:nvSpPr>
+          <p:cNvPr id="46" name="Line 43"/>
+          <p:cNvSpPr>
+            <a:spLocks noChangeShapeType="1"/>
+          </p:cNvSpPr>
+          <p:nvPr/>
+        </p:nvSpPr>
+        <p:spPr bwMode="auto">
+          <a:xfrm rot="10800000">
+            <a:off x="5286380" y="4786322"/>
+            <a:ext cx="976611" cy="0"/>
+          </a:xfrm>
+          <a:prstGeom prst="line">
+            <a:avLst/>
+          </a:prstGeom>
+          <a:noFill/>
+          <a:ln w="9525">
+            <a:solidFill>
+              <a:srgbClr val="000000"/>
+            </a:solidFill>
+            <a:prstDash val="dash"/>
+            <a:round/>
+            <a:headEnd/>
+            <a:tailEnd type="triangle" w="sm" len="sm"/>
+          </a:ln>
+        </p:spPr>
+        <p:txBody>
+          <a:bodyPr/>
+          <a:lstStyle/>
+          <a:p>
+            <a:endParaRPr lang="es-ES"/>
+          </a:p>
+        </p:txBody>
+      </p:sp>
+      <p:sp>
+        <p:nvSpPr>
+          <p:cNvPr id="47" name="Line 44"/>
+          <p:cNvSpPr>
+            <a:spLocks noChangeShapeType="1"/>
+          </p:cNvSpPr>
+          <p:nvPr/>
+        </p:nvSpPr>
+        <p:spPr bwMode="auto">
+          <a:xfrm rot="10800000" flipH="1" flipV="1">
+            <a:off x="1958852" y="3517636"/>
+            <a:ext cx="262348" cy="142215"/>
+          </a:xfrm>
+          <a:prstGeom prst="line">
+            <a:avLst/>
+          </a:prstGeom>
+          <a:noFill/>
+          <a:ln w="9525">
+            <a:solidFill>
+              <a:srgbClr val="000000"/>
+            </a:solidFill>
+            <a:prstDash val="dash"/>
+            <a:round/>
+            <a:headEnd/>
+            <a:tailEnd type="triangle" w="sm" len="sm"/>
+          </a:ln>
+        </p:spPr>
+        <p:txBody>
+          <a:bodyPr/>
+          <a:lstStyle/>
+          <a:p>
+            <a:endParaRPr lang="es-ES"/>
+          </a:p>
+        </p:txBody>
+      </p:sp>
+      <p:sp>
+        <p:nvSpPr>
+          <p:cNvPr id="48" name="AutoShape 45"/>
+          <p:cNvSpPr>
+            <a:spLocks noChangeArrowheads="1"/>
+          </p:cNvSpPr>
+          <p:nvPr/>
+        </p:nvSpPr>
+        <p:spPr bwMode="auto">
+          <a:xfrm rot="9804243">
+            <a:off x="2361683" y="3765685"/>
+            <a:ext cx="37236" cy="140561"/>
+          </a:xfrm>
+          <a:prstGeom prst="upArrow">
+            <a:avLst>
+              <a:gd name="adj1" fmla="val 50000"/>
+              <a:gd name="adj2" fmla="val 96591"/>
+            </a:avLst>
+          </a:prstGeom>
+          <a:solidFill>
+            <a:srgbClr val="FFFFFF"/>
+          </a:solidFill>
+          <a:ln w="9525">
+            <a:solidFill>
+              <a:srgbClr val="000000"/>
+            </a:solidFill>
+            <a:miter lim="800000"/>
+            <a:headEnd/>
+            <a:tailEnd/>
+          </a:ln>
+        </p:spPr>
+        <p:txBody>
+          <a:bodyPr/>
+          <a:lstStyle/>
+          <a:p>
+            <a:endParaRPr lang="es-ES"/>
+          </a:p>
+        </p:txBody>
+      </p:sp>
+      <p:sp>
+        <p:nvSpPr>
+          <p:cNvPr id="49" name="Line 46"/>
+          <p:cNvSpPr>
+            <a:spLocks noChangeShapeType="1"/>
+          </p:cNvSpPr>
+          <p:nvPr/>
+        </p:nvSpPr>
+        <p:spPr bwMode="auto">
+          <a:xfrm rot="10800000" flipV="1">
+            <a:off x="2165345" y="3735919"/>
+            <a:ext cx="280966" cy="44649"/>
+          </a:xfrm>
+          <a:prstGeom prst="line">
+            <a:avLst/>
+          </a:prstGeom>
+          <a:noFill/>
+          <a:ln w="9525">
+            <a:solidFill>
+              <a:srgbClr val="FF0000"/>
+            </a:solidFill>
+            <a:round/>
+            <a:headEnd/>
+            <a:tailEnd/>
+          </a:ln>
+        </p:spPr>
+        <p:txBody>
+          <a:bodyPr/>
+          <a:lstStyle/>
+          <a:p>
+            <a:endParaRPr lang="es-ES"/>
+          </a:p>
+        </p:txBody>
+      </p:sp>
+      <p:sp>
+        <p:nvSpPr>
+          <p:cNvPr id="50" name="Line 47"/>
+          <p:cNvSpPr>
+            <a:spLocks noChangeShapeType="1"/>
+          </p:cNvSpPr>
+          <p:nvPr/>
+        </p:nvSpPr>
+        <p:spPr bwMode="auto">
+          <a:xfrm rot="10800000" flipH="1">
+            <a:off x="2165345" y="3603626"/>
+            <a:ext cx="561932" cy="176941"/>
+          </a:xfrm>
+          <a:prstGeom prst="line">
+            <a:avLst/>
+          </a:prstGeom>
+          <a:noFill/>
+          <a:ln w="9525">
+            <a:solidFill>
+              <a:srgbClr val="FF0000"/>
+            </a:solidFill>
+            <a:round/>
+            <a:headEnd/>
+            <a:tailEnd type="triangle" w="sm" len="sm"/>
+          </a:ln>
+        </p:spPr>
+        <p:txBody>
+          <a:bodyPr/>
+          <a:lstStyle/>
+          <a:p>
+            <a:endParaRPr lang="es-ES"/>
+          </a:p>
+        </p:txBody>
+      </p:sp>
+      <p:sp>
+        <p:nvSpPr>
+          <p:cNvPr id="51" name="Freeform 48"/>
+          <p:cNvSpPr>
+            <a:spLocks/>
+          </p:cNvSpPr>
+          <p:nvPr/>
+        </p:nvSpPr>
+        <p:spPr bwMode="auto">
+          <a:xfrm rot="10800000">
+            <a:off x="2334602" y="3029807"/>
+            <a:ext cx="539929" cy="706112"/>
+          </a:xfrm>
+          <a:custGeom>
+            <a:avLst/>
+            <a:gdLst>
+              <a:gd name="T0" fmla="*/ 171 w 2070"/>
+              <a:gd name="T1" fmla="*/ 427 h 2880"/>
+              <a:gd name="T2" fmla="*/ 60 w 2070"/>
+              <a:gd name="T3" fmla="*/ 347 h 2880"/>
+              <a:gd name="T4" fmla="*/ 5 w 2070"/>
+              <a:gd name="T5" fmla="*/ 133 h 2880"/>
+              <a:gd name="T6" fmla="*/ 32 w 2070"/>
+              <a:gd name="T7" fmla="*/ 160 h 2880"/>
+              <a:gd name="T8" fmla="*/ 88 w 2070"/>
+              <a:gd name="T9" fmla="*/ 187 h 2880"/>
+              <a:gd name="T10" fmla="*/ 171 w 2070"/>
+              <a:gd name="T11" fmla="*/ 187 h 2880"/>
+              <a:gd name="T12" fmla="*/ 254 w 2070"/>
+              <a:gd name="T13" fmla="*/ 160 h 2880"/>
+              <a:gd name="T14" fmla="*/ 310 w 2070"/>
+              <a:gd name="T15" fmla="*/ 53 h 2880"/>
+              <a:gd name="T16" fmla="*/ 310 w 2070"/>
+              <a:gd name="T17" fmla="*/ 0 h 2880"/>
+              <a:gd name="T18" fmla="*/ 0 60000 65536"/>
+              <a:gd name="T19" fmla="*/ 0 60000 65536"/>
+              <a:gd name="T20" fmla="*/ 0 60000 65536"/>
+              <a:gd name="T21" fmla="*/ 0 60000 65536"/>
+              <a:gd name="T22" fmla="*/ 0 60000 65536"/>
+              <a:gd name="T23" fmla="*/ 0 60000 65536"/>
+              <a:gd name="T24" fmla="*/ 0 60000 65536"/>
+              <a:gd name="T25" fmla="*/ 0 60000 65536"/>
+              <a:gd name="T26" fmla="*/ 0 60000 65536"/>
+              <a:gd name="T27" fmla="*/ 0 w 2070"/>
+              <a:gd name="T28" fmla="*/ 0 h 2880"/>
+              <a:gd name="T29" fmla="*/ 2070 w 2070"/>
+              <a:gd name="T30" fmla="*/ 2880 h 2880"/>
+            </a:gdLst>
+            <a:ahLst/>
+            <a:cxnLst>
+              <a:cxn ang="T18">
+                <a:pos x="T0" y="T1"/>
+              </a:cxn>
+              <a:cxn ang="T19">
+                <a:pos x="T2" y="T3"/>
+              </a:cxn>
+              <a:cxn ang="T20">
+                <a:pos x="T4" y="T5"/>
+              </a:cxn>
+              <a:cxn ang="T21">
+                <a:pos x="T6" y="T7"/>
+              </a:cxn>
+              <a:cxn ang="T22">
+                <a:pos x="T8" y="T9"/>
+              </a:cxn>
+              <a:cxn ang="T23">
+                <a:pos x="T10" y="T11"/>
+              </a:cxn>
+              <a:cxn ang="T24">
+                <a:pos x="T12" y="T13"/>
+              </a:cxn>
+              <a:cxn ang="T25">
+                <a:pos x="T14" y="T15"/>
+              </a:cxn>
+              <a:cxn ang="T26">
+                <a:pos x="T16" y="T17"/>
+              </a:cxn>
+            </a:cxnLst>
+            <a:rect l="T27" t="T28" r="T29" b="T30"/>
+            <a:pathLst>
+              <a:path w="2070" h="2880">
+                <a:moveTo>
+                  <a:pt x="1110" y="2880"/>
+                </a:moveTo>
+                <a:cubicBezTo>
+                  <a:pt x="840" y="2775"/>
+                  <a:pt x="570" y="2670"/>
+                  <a:pt x="390" y="2340"/>
+                </a:cubicBezTo>
+                <a:cubicBezTo>
+                  <a:pt x="210" y="2010"/>
+                  <a:pt x="60" y="1110"/>
+                  <a:pt x="30" y="900"/>
+                </a:cubicBezTo>
+                <a:cubicBezTo>
+                  <a:pt x="0" y="690"/>
+                  <a:pt x="120" y="1020"/>
+                  <a:pt x="210" y="1080"/>
+                </a:cubicBezTo>
+                <a:cubicBezTo>
+                  <a:pt x="300" y="1140"/>
+                  <a:pt x="420" y="1230"/>
+                  <a:pt x="570" y="1260"/>
+                </a:cubicBezTo>
+                <a:cubicBezTo>
+                  <a:pt x="720" y="1290"/>
+                  <a:pt x="930" y="1290"/>
+                  <a:pt x="1110" y="1260"/>
+                </a:cubicBezTo>
+                <a:cubicBezTo>
+                  <a:pt x="1290" y="1230"/>
+                  <a:pt x="1500" y="1230"/>
+                  <a:pt x="1650" y="1080"/>
+                </a:cubicBezTo>
+                <a:cubicBezTo>
+                  <a:pt x="1800" y="930"/>
+                  <a:pt x="1950" y="540"/>
+                  <a:pt x="2010" y="360"/>
+                </a:cubicBezTo>
+                <a:cubicBezTo>
+                  <a:pt x="2070" y="180"/>
+                  <a:pt x="2010" y="60"/>
+                  <a:pt x="2010" y="0"/>
+                </a:cubicBezTo>
+              </a:path>
+            </a:pathLst>
+          </a:custGeom>
+          <a:noFill/>
+          <a:ln w="9525">
+            <a:solidFill>
+              <a:srgbClr val="0000FF"/>
+            </a:solidFill>
+            <a:round/>
+            <a:headEnd/>
+            <a:tailEnd type="triangle" w="sm" len="sm"/>
+          </a:ln>
+        </p:spPr>
+        <p:txBody>
+          <a:bodyPr/>
+          <a:lstStyle/>
+          <a:p>
+            <a:endParaRPr lang="es-ES"/>
+          </a:p>
+        </p:txBody>
+      </p:sp>
+      <p:sp>
+        <p:nvSpPr>
+          <p:cNvPr id="35" name="AutoShape 50"/>
+          <p:cNvSpPr>
+            <a:spLocks noChangeArrowheads="1"/>
+          </p:cNvSpPr>
+          <p:nvPr/>
+        </p:nvSpPr>
+        <p:spPr bwMode="auto">
+          <a:xfrm rot="10800000" flipV="1">
+            <a:off x="4966894" y="3749479"/>
+            <a:ext cx="37236" cy="105834"/>
+          </a:xfrm>
+          <a:prstGeom prst="triangle">
+            <a:avLst>
+              <a:gd name="adj" fmla="val 50000"/>
+            </a:avLst>
+          </a:prstGeom>
+          <a:solidFill>
+            <a:srgbClr val="008000"/>
+          </a:solidFill>
+          <a:ln w="9525">
+            <a:solidFill>
+              <a:srgbClr val="008000"/>
+            </a:solidFill>
+            <a:miter lim="800000"/>
+            <a:headEnd/>
+            <a:tailEnd/>
+          </a:ln>
+        </p:spPr>
+        <p:txBody>
+          <a:bodyPr/>
+          <a:lstStyle/>
+          <a:p>
+            <a:endParaRPr lang="es-ES"/>
+          </a:p>
+        </p:txBody>
+      </p:sp>
+      <p:sp>
+        <p:nvSpPr>
+          <p:cNvPr id="36" name="AutoShape 51"/>
+          <p:cNvSpPr>
+            <a:spLocks noChangeArrowheads="1"/>
+          </p:cNvSpPr>
+          <p:nvPr/>
+        </p:nvSpPr>
+        <p:spPr bwMode="auto">
+          <a:xfrm rot="10800000" flipV="1">
+            <a:off x="4254323" y="3785860"/>
+            <a:ext cx="37236" cy="105834"/>
+          </a:xfrm>
+          <a:prstGeom prst="triangle">
+            <a:avLst>
+              <a:gd name="adj" fmla="val 50000"/>
+            </a:avLst>
+          </a:prstGeom>
+          <a:solidFill>
+            <a:srgbClr val="008000"/>
+          </a:solidFill>
+          <a:ln w="9525">
+            <a:solidFill>
+              <a:srgbClr val="008000"/>
+            </a:solidFill>
+            <a:miter lim="800000"/>
+            <a:headEnd/>
+            <a:tailEnd/>
+          </a:ln>
+        </p:spPr>
+        <p:txBody>
+          <a:bodyPr/>
+          <a:lstStyle/>
+          <a:p>
+            <a:endParaRPr lang="es-ES"/>
+          </a:p>
+        </p:txBody>
+      </p:sp>
+      <p:sp>
+        <p:nvSpPr>
+          <p:cNvPr id="27" name="Oval 35"/>
+          <p:cNvSpPr>
+            <a:spLocks noChangeArrowheads="1"/>
+          </p:cNvSpPr>
+          <p:nvPr/>
+        </p:nvSpPr>
+        <p:spPr bwMode="auto">
+          <a:xfrm rot="10800000">
+            <a:off x="6357948" y="2428868"/>
+            <a:ext cx="142877" cy="145426"/>
+          </a:xfrm>
+          <a:prstGeom prst="ellipse">
+            <a:avLst/>
+          </a:prstGeom>
+          <a:solidFill>
+            <a:srgbClr val="0000FF"/>
+          </a:solidFill>
+          <a:ln w="9525">
+            <a:solidFill>
+              <a:srgbClr val="0000FF"/>
+            </a:solidFill>
+            <a:round/>
+            <a:headEnd/>
+            <a:tailEnd/>
+          </a:ln>
+        </p:spPr>
+        <p:txBody>
+          <a:bodyPr/>
+          <a:lstStyle/>
+          <a:p>
+            <a:endParaRPr lang="es-ES"/>
+          </a:p>
+        </p:txBody>
+      </p:sp>
+      <p:sp>
+        <p:nvSpPr>
+          <p:cNvPr id="28" name="AutoShape 36"/>
+          <p:cNvSpPr>
+            <a:spLocks noChangeArrowheads="1"/>
+          </p:cNvSpPr>
+          <p:nvPr/>
+        </p:nvSpPr>
+        <p:spPr bwMode="auto">
+          <a:xfrm rot="10800000" flipV="1">
+            <a:off x="5786444" y="2285992"/>
+            <a:ext cx="214315" cy="142876"/>
+          </a:xfrm>
+          <a:prstGeom prst="triangle">
+            <a:avLst>
+              <a:gd name="adj" fmla="val 50000"/>
+            </a:avLst>
+          </a:prstGeom>
+          <a:solidFill>
+            <a:srgbClr val="FF0000"/>
+          </a:solidFill>
+          <a:ln w="9525">
+            <a:solidFill>
+              <a:srgbClr val="FF0000"/>
+            </a:solidFill>
+            <a:miter lim="800000"/>
+            <a:headEnd/>
+            <a:tailEnd/>
+          </a:ln>
+        </p:spPr>
+        <p:txBody>
+          <a:bodyPr/>
+          <a:lstStyle/>
+          <a:p>
+            <a:endParaRPr lang="es-ES"/>
+          </a:p>
+        </p:txBody>
+      </p:sp>
+      <p:sp>
+        <p:nvSpPr>
+          <p:cNvPr id="29" name="Oval 14"/>
+          <p:cNvSpPr>
+            <a:spLocks noChangeArrowheads="1"/>
+          </p:cNvSpPr>
+          <p:nvPr/>
+        </p:nvSpPr>
+        <p:spPr bwMode="auto">
+          <a:xfrm>
+            <a:off x="6357950" y="2643182"/>
+            <a:ext cx="71438" cy="71438"/>
+          </a:xfrm>
+          <a:prstGeom prst="ellipse">
+            <a:avLst/>
+          </a:prstGeom>
+          <a:solidFill>
+            <a:srgbClr val="000000"/>
+          </a:solidFill>
+          <a:ln w="9360">
+            <a:solidFill>
+              <a:srgbClr val="000000"/>
+            </a:solidFill>
+            <a:miter lim="800000"/>
+            <a:headEnd/>
+            <a:tailEnd/>
+          </a:ln>
+        </p:spPr>
+        <p:txBody>
+          <a:bodyPr wrap="none" anchor="ctr"/>
+          <a:lstStyle/>
+          <a:p>
+            <a:endParaRPr lang="es-ES"/>
+          </a:p>
+        </p:txBody>
+      </p:sp>
+    </p:spTree>
+  </p:cSld>
+  <p:clrMapOvr>
+    <a:masterClrMapping/>
+  </p:clrMapOvr>
+  <p:timing>
+    <p:tnLst>
+      <p:par>
+        <p:cTn id="1" dur="indefinite" restart="never" nodeType="tmRoot"/>
+      </p:par>
+    </p:tnLst>
+  </p:timing>
+</p:sld>
+</file>
+
 <file path=ppt/slides/slide2.xml><?xml version="1.0" encoding="utf-8"?>
+<p:sld xmlns:a="http://schemas.openxmlformats.org/drawingml/2006/main" xmlns:r="http://schemas.openxmlformats.org/officeDocument/2006/relationships" xmlns:p="http://schemas.openxmlformats.org/presentationml/2006/main">
+  <p:cSld>
+    <p:spTree>
+      <p:nvGrpSpPr>
+        <p:cNvPr id="1" name=""/>
+        <p:cNvGrpSpPr/>
+        <p:nvPr/>
+      </p:nvGrpSpPr>
+      <p:grpSpPr>
+        <a:xfrm>
+          <a:off x="0" y="0"/>
+          <a:ext cx="0" cy="0"/>
+          <a:chOff x="0" y="0"/>
+          <a:chExt cx="0" cy="0"/>
+        </a:xfrm>
+      </p:grpSpPr>
+      <p:sp>
+        <p:nvSpPr>
+          <p:cNvPr id="2" name="1 Título"/>
+          <p:cNvSpPr>
+            <a:spLocks noGrp="1"/>
+          </p:cNvSpPr>
+          <p:nvPr>
+            <p:ph type="title"/>
+          </p:nvPr>
+        </p:nvSpPr>
+        <p:spPr/>
+        <p:txBody>
+          <a:bodyPr/>
+          <a:lstStyle/>
+          <a:p>
+            <a:r>
+              <a:rPr lang="es-ES" sz="4400" dirty="0" smtClean="0"/>
+              <a:t>Iniciando las acciones el Lateral Izquierdo</a:t>
+            </a:r>
+            <a:endParaRPr lang="es-ES" dirty="0"/>
+          </a:p>
+        </p:txBody>
+      </p:sp>
+      <p:sp>
+        <p:nvSpPr>
+          <p:cNvPr id="3" name="2 Marcador de texto"/>
+          <p:cNvSpPr>
+            <a:spLocks noGrp="1"/>
+          </p:cNvSpPr>
+          <p:nvPr>
+            <p:ph type="body" idx="1"/>
+          </p:nvPr>
+        </p:nvSpPr>
+        <p:spPr/>
+        <p:txBody>
+          <a:bodyPr/>
+          <a:lstStyle/>
+          <a:p>
+            <a:endParaRPr lang="es-ES" dirty="0"/>
+          </a:p>
+        </p:txBody>
+      </p:sp>
+    </p:spTree>
+  </p:cSld>
+  <p:clrMapOvr>
+    <a:masterClrMapping/>
+  </p:clrMapOvr>
+</p:sld>
+</file>
+
+<file path=ppt/slides/slide3.xml><?xml version="1.0" encoding="utf-8"?>
 <p:sld xmlns:a="http://schemas.openxmlformats.org/drawingml/2006/main" xmlns:r="http://schemas.openxmlformats.org/officeDocument/2006/relationships" xmlns:p="http://schemas.openxmlformats.org/presentationml/2006/main">
   <p:cSld>
     <p:spTree>
@@ -6015,7 +7513,7 @@
 </p:sld>
 </file>
 
-<file path=ppt/slides/slide3.xml><?xml version="1.0" encoding="utf-8"?>
+<file path=ppt/slides/slide4.xml><?xml version="1.0" encoding="utf-8"?>
 <p:sld xmlns:a="http://schemas.openxmlformats.org/drawingml/2006/main" xmlns:r="http://schemas.openxmlformats.org/officeDocument/2006/relationships" xmlns:p="http://schemas.openxmlformats.org/presentationml/2006/main">
   <p:cSld>
     <p:spTree>
@@ -6214,7 +7712,20 @@
                           <a:effectLst/>
                           <a:latin typeface="Tahoma" pitchFamily="34" charset="0"/>
                         </a:rPr>
-                        <a:t>Defensa normal</a:t>
+                        <a:t>Defensa </a:t>
+                      </a:r>
+                      <a:r>
+                        <a:rPr kumimoji="0" lang="es-ES" sz="1000" b="0" i="0" u="sng" strike="noStrike" cap="none" normalizeH="0" baseline="0" dirty="0" smtClean="0">
+                          <a:ln>
+                            <a:noFill/>
+                          </a:ln>
+                          <a:solidFill>
+                            <a:schemeClr val="tx1"/>
+                          </a:solidFill>
+                          <a:effectLst/>
+                          <a:latin typeface="Tahoma" pitchFamily="34" charset="0"/>
+                        </a:rPr>
+                        <a:t>normal</a:t>
                       </a:r>
                       <a:r>
                         <a:rPr kumimoji="0" lang="es-ES" sz="1000" b="0" i="0" u="none" strike="noStrike" cap="none" normalizeH="0" baseline="0" dirty="0" smtClean="0">
@@ -10734,7 +12245,7 @@
 </p:sld>
 </file>
 
-<file path=ppt/slides/slide4.xml><?xml version="1.0" encoding="utf-8"?>
+<file path=ppt/slides/slide5.xml><?xml version="1.0" encoding="utf-8"?>
 <p:sld xmlns:a="http://schemas.openxmlformats.org/drawingml/2006/main" xmlns:r="http://schemas.openxmlformats.org/officeDocument/2006/relationships" xmlns:p="http://schemas.openxmlformats.org/presentationml/2006/main">
   <p:cSld>
     <p:spTree>
@@ -13845,7 +15356,7 @@
 </p:sld>
 </file>
 
-<file path=ppt/slides/slide5.xml><?xml version="1.0" encoding="utf-8"?>
+<file path=ppt/slides/slide6.xml><?xml version="1.0" encoding="utf-8"?>
 <p:sld xmlns:a="http://schemas.openxmlformats.org/drawingml/2006/main" xmlns:r="http://schemas.openxmlformats.org/officeDocument/2006/relationships" xmlns:p="http://schemas.openxmlformats.org/presentationml/2006/main">
   <p:cSld>
     <p:spTree>
@@ -17305,7 +18816,7 @@
 </p:sld>
 </file>
 
-<file path=ppt/slides/slide6.xml><?xml version="1.0" encoding="utf-8"?>
+<file path=ppt/slides/slide7.xml><?xml version="1.0" encoding="utf-8"?>
 <p:sld xmlns:a="http://schemas.openxmlformats.org/drawingml/2006/main" xmlns:r="http://schemas.openxmlformats.org/officeDocument/2006/relationships" xmlns:p="http://schemas.openxmlformats.org/presentationml/2006/main">
   <p:cSld>
     <p:spTree>
@@ -20869,7 +22380,7 @@
 </p:sld>
 </file>
 
-<file path=ppt/slides/slide7.xml><?xml version="1.0" encoding="utf-8"?>
+<file path=ppt/slides/slide8.xml><?xml version="1.0" encoding="utf-8"?>
 <p:sld xmlns:a="http://schemas.openxmlformats.org/drawingml/2006/main" xmlns:r="http://schemas.openxmlformats.org/officeDocument/2006/relationships" xmlns:p="http://schemas.openxmlformats.org/presentationml/2006/main">
   <p:cSld>
     <p:spTree>
@@ -24701,7 +26212,7 @@
 </p:sld>
 </file>
 
-<file path=ppt/slides/slide8.xml><?xml version="1.0" encoding="utf-8"?>
+<file path=ppt/slides/slide9.xml><?xml version="1.0" encoding="utf-8"?>
 <p:sld xmlns:a="http://schemas.openxmlformats.org/drawingml/2006/main" xmlns:r="http://schemas.openxmlformats.org/officeDocument/2006/relationships" xmlns:p="http://schemas.openxmlformats.org/presentationml/2006/main">
   <p:cSld>
     <p:spTree>
@@ -27299,66 +28810,32 @@
           </p:txBody>
         </p:sp>
       </p:grpSp>
-    </p:spTree>
-  </p:cSld>
-  <p:clrMapOvr>
-    <a:masterClrMapping/>
-  </p:clrMapOvr>
-  <p:timing>
-    <p:tnLst>
-      <p:par>
-        <p:cTn id="1" dur="indefinite" restart="never" nodeType="tmRoot"/>
-      </p:par>
-    </p:tnLst>
-  </p:timing>
-</p:sld>
-</file>
-
-<file path=ppt/slides/slide9.xml><?xml version="1.0" encoding="utf-8"?>
-<p:sld xmlns:a="http://schemas.openxmlformats.org/drawingml/2006/main" xmlns:r="http://schemas.openxmlformats.org/officeDocument/2006/relationships" xmlns:p="http://schemas.openxmlformats.org/presentationml/2006/main">
-  <p:cSld>
-    <p:spTree>
-      <p:nvGrpSpPr>
-        <p:cNvPr id="1" name=""/>
-        <p:cNvGrpSpPr/>
-        <p:nvPr/>
-      </p:nvGrpSpPr>
-      <p:grpSpPr>
-        <a:xfrm>
-          <a:off x="0" y="0"/>
-          <a:ext cx="0" cy="0"/>
-          <a:chOff x="0" y="0"/>
-          <a:chExt cx="0" cy="0"/>
-        </a:xfrm>
-      </p:grpSpPr>
       <p:grpSp>
         <p:nvGrpSpPr>
-          <p:cNvPr id="37" name="Group 26"/>
-          <p:cNvGrpSpPr>
-            <a:grpSpLocks/>
-          </p:cNvGrpSpPr>
+          <p:cNvPr id="161" name="160 Grupo"/>
+          <p:cNvGrpSpPr/>
           <p:nvPr/>
         </p:nvGrpSpPr>
-        <p:grpSpPr bwMode="auto">
-          <a:xfrm rot="10800000">
-            <a:off x="3143240" y="1714488"/>
-            <a:ext cx="2071702" cy="1428760"/>
-            <a:chOff x="1846" y="2556"/>
-            <a:chExt cx="7952" cy="5822"/>
+        <p:grpSpPr>
+          <a:xfrm>
+            <a:off x="3286116" y="4929198"/>
+            <a:ext cx="2428892" cy="1643074"/>
+            <a:chOff x="5429229" y="1556654"/>
+            <a:chExt cx="3071861" cy="2214578"/>
           </a:xfrm>
         </p:grpSpPr>
         <p:sp>
           <p:nvSpPr>
-            <p:cNvPr id="52" name="Rectangle 27"/>
+            <p:cNvPr id="162" name="Rectangle 27"/>
             <p:cNvSpPr>
               <a:spLocks noChangeArrowheads="1"/>
             </p:cNvSpPr>
             <p:nvPr/>
           </p:nvSpPr>
           <p:spPr bwMode="auto">
-            <a:xfrm>
-              <a:off x="1846" y="2645"/>
-              <a:ext cx="7952" cy="5733"/>
+            <a:xfrm rot="10800000">
+              <a:off x="5429229" y="1556654"/>
+              <a:ext cx="3071834" cy="2180724"/>
             </a:xfrm>
             <a:prstGeom prst="rect">
               <a:avLst/>
@@ -27385,16 +28862,16 @@
         </p:sp>
         <p:sp>
           <p:nvSpPr>
-            <p:cNvPr id="53" name="Arc 28"/>
+            <p:cNvPr id="165" name="Arc 28"/>
             <p:cNvSpPr>
               <a:spLocks/>
             </p:cNvSpPr>
             <p:nvPr/>
           </p:nvSpPr>
           <p:spPr bwMode="auto">
-            <a:xfrm flipH="1" flipV="1">
-              <a:off x="2889" y="2645"/>
-              <a:ext cx="2346" cy="2293"/>
+            <a:xfrm rot="10800000" flipH="1" flipV="1">
+              <a:off x="7240090" y="2865165"/>
+              <a:ext cx="906253" cy="872214"/>
             </a:xfrm>
             <a:custGeom>
               <a:avLst/>
@@ -27473,16 +28950,16 @@
         </p:sp>
         <p:sp>
           <p:nvSpPr>
-            <p:cNvPr id="54" name="Line 29"/>
+            <p:cNvPr id="186" name="Line 29"/>
             <p:cNvSpPr>
               <a:spLocks noChangeShapeType="1"/>
             </p:cNvSpPr>
             <p:nvPr/>
           </p:nvSpPr>
           <p:spPr bwMode="auto">
-            <a:xfrm>
-              <a:off x="5235" y="4938"/>
-              <a:ext cx="1174" cy="0"/>
+            <a:xfrm rot="10800000">
+              <a:off x="6786578" y="2865165"/>
+              <a:ext cx="453513" cy="0"/>
             </a:xfrm>
             <a:prstGeom prst="line">
               <a:avLst/>
@@ -27507,16 +28984,16 @@
         </p:sp>
         <p:sp>
           <p:nvSpPr>
-            <p:cNvPr id="55" name="Rectangle 30"/>
+            <p:cNvPr id="187" name="Rectangle 30"/>
             <p:cNvSpPr>
               <a:spLocks noChangeArrowheads="1"/>
             </p:cNvSpPr>
             <p:nvPr/>
           </p:nvSpPr>
           <p:spPr bwMode="auto">
-            <a:xfrm>
-              <a:off x="5235" y="2556"/>
-              <a:ext cx="1174" cy="156"/>
+            <a:xfrm rot="10800000">
+              <a:off x="6786578" y="3711893"/>
+              <a:ext cx="453513" cy="59339"/>
             </a:xfrm>
             <a:prstGeom prst="rect">
               <a:avLst/>
@@ -27543,16 +29020,16 @@
         </p:sp>
         <p:sp>
           <p:nvSpPr>
-            <p:cNvPr id="56" name="Arc 31"/>
+            <p:cNvPr id="189" name="Arc 31"/>
             <p:cNvSpPr>
               <a:spLocks/>
             </p:cNvSpPr>
             <p:nvPr/>
           </p:nvSpPr>
           <p:spPr bwMode="auto">
-            <a:xfrm flipV="1">
-              <a:off x="6409" y="2645"/>
-              <a:ext cx="2346" cy="2293"/>
+            <a:xfrm rot="10800000" flipV="1">
+              <a:off x="5880325" y="2865165"/>
+              <a:ext cx="906253" cy="872214"/>
             </a:xfrm>
             <a:custGeom>
               <a:avLst/>
@@ -27631,16 +29108,16 @@
         </p:sp>
         <p:sp>
           <p:nvSpPr>
-            <p:cNvPr id="57" name="Arc 32"/>
+            <p:cNvPr id="192" name="Arc 32"/>
             <p:cNvSpPr>
               <a:spLocks/>
             </p:cNvSpPr>
             <p:nvPr/>
           </p:nvSpPr>
           <p:spPr bwMode="auto">
-            <a:xfrm flipH="1" flipV="1">
-              <a:off x="1846" y="3792"/>
-              <a:ext cx="3389" cy="2293"/>
+            <a:xfrm rot="10800000" flipH="1" flipV="1">
+              <a:off x="7191929" y="2428868"/>
+              <a:ext cx="1309161" cy="872214"/>
             </a:xfrm>
             <a:custGeom>
               <a:avLst/>
@@ -27720,16 +29197,16 @@
         </p:sp>
         <p:sp>
           <p:nvSpPr>
-            <p:cNvPr id="58" name="Arc 33"/>
+            <p:cNvPr id="193" name="Arc 33"/>
             <p:cNvSpPr>
               <a:spLocks/>
             </p:cNvSpPr>
             <p:nvPr/>
           </p:nvSpPr>
           <p:spPr bwMode="auto">
-            <a:xfrm flipV="1">
-              <a:off x="6409" y="3792"/>
-              <a:ext cx="3389" cy="2293"/>
+            <a:xfrm rot="10800000" flipV="1">
+              <a:off x="5429256" y="2428868"/>
+              <a:ext cx="1309161" cy="872214"/>
             </a:xfrm>
             <a:custGeom>
               <a:avLst/>
@@ -27809,16 +29286,16 @@
         </p:sp>
         <p:sp>
           <p:nvSpPr>
-            <p:cNvPr id="59" name="Line 34"/>
+            <p:cNvPr id="194" name="Line 34"/>
             <p:cNvSpPr>
               <a:spLocks noChangeShapeType="1"/>
             </p:cNvSpPr>
             <p:nvPr/>
           </p:nvSpPr>
           <p:spPr bwMode="auto">
-            <a:xfrm>
-              <a:off x="5235" y="6085"/>
-              <a:ext cx="1174" cy="0"/>
+            <a:xfrm rot="10800000">
+              <a:off x="6786578" y="2428868"/>
+              <a:ext cx="453513" cy="0"/>
             </a:xfrm>
             <a:prstGeom prst="line">
               <a:avLst/>
@@ -27842,821 +29319,451 @@
             </a:p>
           </p:txBody>
         </p:sp>
-      </p:grpSp>
-      <p:sp>
-        <p:nvSpPr>
-          <p:cNvPr id="38" name="Oval 35"/>
-          <p:cNvSpPr>
-            <a:spLocks noChangeArrowheads="1"/>
-          </p:cNvSpPr>
-          <p:nvPr/>
-        </p:nvSpPr>
-        <p:spPr bwMode="auto">
-          <a:xfrm rot="10800000">
-            <a:off x="6357950" y="4214818"/>
-            <a:ext cx="101554" cy="94258"/>
-          </a:xfrm>
-          <a:prstGeom prst="ellipse">
-            <a:avLst/>
-          </a:prstGeom>
-          <a:solidFill>
-            <a:srgbClr val="0000FF"/>
-          </a:solidFill>
-          <a:ln w="9525">
+        <p:sp>
+          <p:nvSpPr>
+            <p:cNvPr id="195" name="Oval 35"/>
+            <p:cNvSpPr>
+              <a:spLocks noChangeArrowheads="1"/>
+            </p:cNvSpPr>
+            <p:nvPr/>
+          </p:nvSpPr>
+          <p:spPr bwMode="auto">
+            <a:xfrm rot="10800000">
+              <a:off x="8072462" y="2214554"/>
+              <a:ext cx="142877" cy="145426"/>
+            </a:xfrm>
+            <a:prstGeom prst="ellipse">
+              <a:avLst/>
+            </a:prstGeom>
             <a:solidFill>
               <a:srgbClr val="0000FF"/>
             </a:solidFill>
-            <a:round/>
-            <a:headEnd/>
-            <a:tailEnd/>
-          </a:ln>
-        </p:spPr>
-        <p:txBody>
-          <a:bodyPr/>
-          <a:lstStyle/>
-          <a:p>
-            <a:endParaRPr lang="es-ES"/>
-          </a:p>
-        </p:txBody>
-      </p:sp>
-      <p:sp>
-        <p:nvSpPr>
-          <p:cNvPr id="39" name="AutoShape 36"/>
-          <p:cNvSpPr>
-            <a:spLocks noChangeArrowheads="1"/>
-          </p:cNvSpPr>
-          <p:nvPr/>
-        </p:nvSpPr>
-        <p:spPr bwMode="auto">
-          <a:xfrm rot="10800000" flipV="1">
-            <a:off x="5786446" y="4071942"/>
-            <a:ext cx="135405" cy="92605"/>
-          </a:xfrm>
-          <a:prstGeom prst="triangle">
-            <a:avLst>
-              <a:gd name="adj" fmla="val 50000"/>
-            </a:avLst>
-          </a:prstGeom>
-          <a:solidFill>
-            <a:srgbClr val="FF0000"/>
-          </a:solidFill>
-          <a:ln w="9525">
+            <a:ln w="9525">
+              <a:solidFill>
+                <a:srgbClr val="0000FF"/>
+              </a:solidFill>
+              <a:round/>
+              <a:headEnd/>
+              <a:tailEnd/>
+            </a:ln>
+          </p:spPr>
+          <p:txBody>
+            <a:bodyPr/>
+            <a:lstStyle/>
+            <a:p>
+              <a:endParaRPr lang="es-ES"/>
+            </a:p>
+          </p:txBody>
+        </p:sp>
+        <p:sp>
+          <p:nvSpPr>
+            <p:cNvPr id="196" name="AutoShape 36"/>
+            <p:cNvSpPr>
+              <a:spLocks noChangeArrowheads="1"/>
+            </p:cNvSpPr>
+            <p:nvPr/>
+          </p:nvSpPr>
+          <p:spPr bwMode="auto">
+            <a:xfrm rot="13525330" flipV="1">
+              <a:off x="7234145" y="2626774"/>
+              <a:ext cx="214315" cy="142876"/>
+            </a:xfrm>
+            <a:prstGeom prst="triangle">
+              <a:avLst>
+                <a:gd name="adj" fmla="val 50000"/>
+              </a:avLst>
+            </a:prstGeom>
             <a:solidFill>
               <a:srgbClr val="FF0000"/>
             </a:solidFill>
-            <a:miter lim="800000"/>
-            <a:headEnd/>
-            <a:tailEnd/>
-          </a:ln>
-        </p:spPr>
-        <p:txBody>
-          <a:bodyPr/>
-          <a:lstStyle/>
-          <a:p>
-            <a:endParaRPr lang="es-ES"/>
-          </a:p>
-        </p:txBody>
-      </p:sp>
-      <p:sp>
-        <p:nvSpPr>
-          <p:cNvPr id="40" name="Oval 37"/>
-          <p:cNvSpPr>
-            <a:spLocks noChangeArrowheads="1"/>
-          </p:cNvSpPr>
-          <p:nvPr/>
-        </p:nvSpPr>
-        <p:spPr bwMode="auto">
-          <a:xfrm rot="10800000">
-            <a:off x="2449696" y="3024846"/>
-            <a:ext cx="35544" cy="31419"/>
-          </a:xfrm>
-          <a:prstGeom prst="ellipse">
-            <a:avLst/>
-          </a:prstGeom>
-          <a:solidFill>
-            <a:srgbClr val="000000"/>
-          </a:solidFill>
-          <a:ln w="9525">
-            <a:solidFill>
-              <a:srgbClr val="000000"/>
-            </a:solidFill>
-            <a:round/>
-            <a:headEnd/>
-            <a:tailEnd/>
-          </a:ln>
-        </p:spPr>
-        <p:txBody>
-          <a:bodyPr/>
-          <a:lstStyle/>
-          <a:p>
-            <a:endParaRPr lang="es-ES"/>
-          </a:p>
-        </p:txBody>
-      </p:sp>
-      <p:sp>
-        <p:nvSpPr>
-          <p:cNvPr id="41" name="Oval 38" descr="Diagonal descendente escura"/>
-          <p:cNvSpPr>
-            <a:spLocks noChangeArrowheads="1"/>
-          </p:cNvSpPr>
-          <p:nvPr/>
-        </p:nvSpPr>
-        <p:spPr bwMode="auto">
-          <a:xfrm rot="10800000">
-            <a:off x="4714876" y="4572008"/>
-            <a:ext cx="101554" cy="94258"/>
-          </a:xfrm>
-          <a:prstGeom prst="ellipse">
-            <a:avLst/>
-          </a:prstGeom>
-          <a:pattFill prst="dkDnDiag">
-            <a:fgClr>
-              <a:srgbClr val="000080"/>
-            </a:fgClr>
-            <a:bgClr>
-              <a:srgbClr val="FFFFFF"/>
-            </a:bgClr>
-          </a:pattFill>
-          <a:ln w="9525">
-            <a:solidFill>
-              <a:srgbClr val="000080"/>
-            </a:solidFill>
-            <a:round/>
-            <a:headEnd/>
-            <a:tailEnd/>
-          </a:ln>
-        </p:spPr>
-        <p:txBody>
-          <a:bodyPr/>
-          <a:lstStyle/>
-          <a:p>
-            <a:endParaRPr lang="es-ES"/>
-          </a:p>
-        </p:txBody>
-      </p:sp>
-      <p:sp>
-        <p:nvSpPr>
-          <p:cNvPr id="42" name="Oval 39" descr="Diagonal descendente escura"/>
-          <p:cNvSpPr>
-            <a:spLocks noChangeArrowheads="1"/>
-          </p:cNvSpPr>
-          <p:nvPr/>
-        </p:nvSpPr>
-        <p:spPr bwMode="auto">
-          <a:xfrm rot="10800000">
-            <a:off x="1896227" y="3421724"/>
-            <a:ext cx="101554" cy="94258"/>
-          </a:xfrm>
-          <a:prstGeom prst="ellipse">
-            <a:avLst/>
-          </a:prstGeom>
-          <a:pattFill prst="dkDnDiag">
-            <a:fgClr>
-              <a:srgbClr val="000080"/>
-            </a:fgClr>
-            <a:bgClr>
-              <a:srgbClr val="FFFFFF"/>
-            </a:bgClr>
-          </a:pattFill>
-          <a:ln w="9525">
-            <a:solidFill>
-              <a:srgbClr val="000080"/>
-            </a:solidFill>
-            <a:round/>
-            <a:headEnd/>
-            <a:tailEnd/>
-          </a:ln>
-        </p:spPr>
-        <p:txBody>
-          <a:bodyPr/>
-          <a:lstStyle/>
-          <a:p>
-            <a:endParaRPr lang="es-ES"/>
-          </a:p>
-        </p:txBody>
-      </p:sp>
-      <p:sp>
-        <p:nvSpPr>
-          <p:cNvPr id="43" name="AutoShape 40"/>
-          <p:cNvSpPr>
-            <a:spLocks noChangeArrowheads="1"/>
-          </p:cNvSpPr>
-          <p:nvPr/>
-        </p:nvSpPr>
-        <p:spPr bwMode="auto">
-          <a:xfrm rot="10800000" flipV="1">
-            <a:off x="2437848" y="3659851"/>
-            <a:ext cx="135405" cy="92605"/>
-          </a:xfrm>
-          <a:prstGeom prst="triangle">
-            <a:avLst>
-              <a:gd name="adj" fmla="val 50000"/>
-            </a:avLst>
-          </a:prstGeom>
-          <a:solidFill>
-            <a:srgbClr val="FF0000"/>
-          </a:solidFill>
-          <a:ln w="9525">
+            <a:ln w="9525">
+              <a:solidFill>
+                <a:srgbClr val="FF0000"/>
+              </a:solidFill>
+              <a:miter lim="800000"/>
+              <a:headEnd/>
+              <a:tailEnd/>
+            </a:ln>
+          </p:spPr>
+          <p:txBody>
+            <a:bodyPr/>
+            <a:lstStyle/>
+            <a:p>
+              <a:endParaRPr lang="es-ES"/>
+            </a:p>
+          </p:txBody>
+        </p:sp>
+        <p:sp>
+          <p:nvSpPr>
+            <p:cNvPr id="197" name="AutoShape 36"/>
+            <p:cNvSpPr>
+              <a:spLocks noChangeArrowheads="1"/>
+            </p:cNvSpPr>
+            <p:nvPr/>
+          </p:nvSpPr>
+          <p:spPr bwMode="auto">
+            <a:xfrm rot="12614040" flipV="1">
+              <a:off x="7736667" y="2687422"/>
+              <a:ext cx="214315" cy="142876"/>
+            </a:xfrm>
+            <a:prstGeom prst="triangle">
+              <a:avLst>
+                <a:gd name="adj" fmla="val 50000"/>
+              </a:avLst>
+            </a:prstGeom>
             <a:solidFill>
               <a:srgbClr val="FF0000"/>
             </a:solidFill>
-            <a:miter lim="800000"/>
-            <a:headEnd/>
-            <a:tailEnd/>
-          </a:ln>
-        </p:spPr>
-        <p:txBody>
-          <a:bodyPr/>
-          <a:lstStyle/>
-          <a:p>
-            <a:endParaRPr lang="es-ES"/>
-          </a:p>
-        </p:txBody>
-      </p:sp>
-      <p:sp>
-        <p:nvSpPr>
-          <p:cNvPr id="44" name="AutoShape 41"/>
-          <p:cNvSpPr>
-            <a:spLocks noChangeArrowheads="1"/>
-          </p:cNvSpPr>
-          <p:nvPr/>
-        </p:nvSpPr>
-        <p:spPr bwMode="auto">
-          <a:xfrm rot="10800000" flipV="1">
-            <a:off x="2732355" y="3558977"/>
-            <a:ext cx="135405" cy="94258"/>
-          </a:xfrm>
-          <a:prstGeom prst="triangle">
-            <a:avLst>
-              <a:gd name="adj" fmla="val 50000"/>
-            </a:avLst>
-          </a:prstGeom>
-          <a:solidFill>
-            <a:srgbClr val="FF0000">
-              <a:alpha val="50195"/>
-            </a:srgbClr>
-          </a:solidFill>
-          <a:ln w="9525">
+            <a:ln w="9525">
+              <a:solidFill>
+                <a:srgbClr val="FF0000"/>
+              </a:solidFill>
+              <a:miter lim="800000"/>
+              <a:headEnd/>
+              <a:tailEnd/>
+            </a:ln>
+          </p:spPr>
+          <p:txBody>
+            <a:bodyPr/>
+            <a:lstStyle/>
+            <a:p>
+              <a:endParaRPr lang="es-ES"/>
+            </a:p>
+          </p:txBody>
+        </p:sp>
+        <p:sp>
+          <p:nvSpPr>
+            <p:cNvPr id="198" name="Oval 35"/>
+            <p:cNvSpPr>
+              <a:spLocks noChangeArrowheads="1"/>
+            </p:cNvSpPr>
+            <p:nvPr/>
+          </p:nvSpPr>
+          <p:spPr bwMode="auto">
+            <a:xfrm rot="10800000">
+              <a:off x="7000892" y="2714620"/>
+              <a:ext cx="142877" cy="145426"/>
+            </a:xfrm>
+            <a:prstGeom prst="ellipse">
+              <a:avLst/>
+            </a:prstGeom>
+            <a:solidFill>
+              <a:srgbClr val="0000FF"/>
+            </a:solidFill>
+            <a:ln w="9525">
+              <a:solidFill>
+                <a:srgbClr val="0000FF"/>
+              </a:solidFill>
+              <a:round/>
+              <a:headEnd/>
+              <a:tailEnd/>
+            </a:ln>
+          </p:spPr>
+          <p:txBody>
+            <a:bodyPr/>
+            <a:lstStyle/>
+            <a:p>
+              <a:endParaRPr lang="es-ES"/>
+            </a:p>
+          </p:txBody>
+        </p:sp>
+        <p:sp>
+          <p:nvSpPr>
+            <p:cNvPr id="199" name="AutoShape 36"/>
+            <p:cNvSpPr>
+              <a:spLocks noChangeArrowheads="1"/>
+            </p:cNvSpPr>
+            <p:nvPr/>
+          </p:nvSpPr>
+          <p:spPr bwMode="auto">
+            <a:xfrm rot="13121749" flipV="1">
+              <a:off x="6450527" y="2623054"/>
+              <a:ext cx="214315" cy="142876"/>
+            </a:xfrm>
+            <a:prstGeom prst="triangle">
+              <a:avLst>
+                <a:gd name="adj" fmla="val 50000"/>
+              </a:avLst>
+            </a:prstGeom>
             <a:solidFill>
               <a:srgbClr val="FF0000"/>
             </a:solidFill>
-            <a:prstDash val="dash"/>
-            <a:miter lim="800000"/>
-            <a:headEnd/>
-            <a:tailEnd/>
-          </a:ln>
-        </p:spPr>
-        <p:txBody>
-          <a:bodyPr/>
-          <a:lstStyle/>
-          <a:p>
-            <a:endParaRPr lang="es-ES"/>
-          </a:p>
-        </p:txBody>
-      </p:sp>
-      <p:sp>
-        <p:nvSpPr>
-          <p:cNvPr id="45" name="Line 42"/>
-          <p:cNvSpPr>
-            <a:spLocks noChangeShapeType="1"/>
-          </p:cNvSpPr>
-          <p:nvPr/>
-        </p:nvSpPr>
-        <p:spPr bwMode="auto">
-          <a:xfrm rot="10800000" flipH="1" flipV="1">
-            <a:off x="2493703" y="3072802"/>
-            <a:ext cx="480689" cy="372073"/>
-          </a:xfrm>
-          <a:prstGeom prst="line">
-            <a:avLst/>
-          </a:prstGeom>
-          <a:noFill/>
-          <a:ln w="9525">
+            <a:ln w="9525">
+              <a:solidFill>
+                <a:srgbClr val="FF0000"/>
+              </a:solidFill>
+              <a:miter lim="800000"/>
+              <a:headEnd/>
+              <a:tailEnd/>
+            </a:ln>
+          </p:spPr>
+          <p:txBody>
+            <a:bodyPr/>
+            <a:lstStyle/>
+            <a:p>
+              <a:endParaRPr lang="es-ES"/>
+            </a:p>
+          </p:txBody>
+        </p:sp>
+        <p:sp>
+          <p:nvSpPr>
+            <p:cNvPr id="200" name="Oval 35"/>
+            <p:cNvSpPr>
+              <a:spLocks noChangeArrowheads="1"/>
+            </p:cNvSpPr>
+            <p:nvPr/>
+          </p:nvSpPr>
+          <p:spPr bwMode="auto">
+            <a:xfrm rot="10800000">
+              <a:off x="5786446" y="2357430"/>
+              <a:ext cx="142877" cy="145426"/>
+            </a:xfrm>
+            <a:prstGeom prst="ellipse">
+              <a:avLst/>
+            </a:prstGeom>
             <a:solidFill>
-              <a:srgbClr val="000000"/>
+              <a:srgbClr val="0000FF"/>
             </a:solidFill>
-            <a:prstDash val="dash"/>
-            <a:round/>
-            <a:headEnd/>
-            <a:tailEnd type="triangle" w="sm" len="sm"/>
-          </a:ln>
-        </p:spPr>
-        <p:txBody>
-          <a:bodyPr/>
-          <a:lstStyle/>
-          <a:p>
-            <a:endParaRPr lang="es-ES"/>
-          </a:p>
-        </p:txBody>
-      </p:sp>
-      <p:sp>
-        <p:nvSpPr>
-          <p:cNvPr id="46" name="Line 43"/>
-          <p:cNvSpPr>
-            <a:spLocks noChangeShapeType="1"/>
-          </p:cNvSpPr>
-          <p:nvPr/>
-        </p:nvSpPr>
-        <p:spPr bwMode="auto">
-          <a:xfrm rot="10800000">
-            <a:off x="5286380" y="4786322"/>
-            <a:ext cx="976611" cy="0"/>
-          </a:xfrm>
-          <a:prstGeom prst="line">
-            <a:avLst/>
-          </a:prstGeom>
-          <a:noFill/>
-          <a:ln w="9525">
-            <a:solidFill>
-              <a:srgbClr val="000000"/>
-            </a:solidFill>
-            <a:prstDash val="dash"/>
-            <a:round/>
-            <a:headEnd/>
-            <a:tailEnd type="triangle" w="sm" len="sm"/>
-          </a:ln>
-        </p:spPr>
-        <p:txBody>
-          <a:bodyPr/>
-          <a:lstStyle/>
-          <a:p>
-            <a:endParaRPr lang="es-ES"/>
-          </a:p>
-        </p:txBody>
-      </p:sp>
-      <p:sp>
-        <p:nvSpPr>
-          <p:cNvPr id="47" name="Line 44"/>
-          <p:cNvSpPr>
-            <a:spLocks noChangeShapeType="1"/>
-          </p:cNvSpPr>
-          <p:nvPr/>
-        </p:nvSpPr>
-        <p:spPr bwMode="auto">
-          <a:xfrm rot="10800000" flipH="1" flipV="1">
-            <a:off x="1958852" y="3517636"/>
-            <a:ext cx="262348" cy="142215"/>
-          </a:xfrm>
-          <a:prstGeom prst="line">
-            <a:avLst/>
-          </a:prstGeom>
-          <a:noFill/>
-          <a:ln w="9525">
-            <a:solidFill>
-              <a:srgbClr val="000000"/>
-            </a:solidFill>
-            <a:prstDash val="dash"/>
-            <a:round/>
-            <a:headEnd/>
-            <a:tailEnd type="triangle" w="sm" len="sm"/>
-          </a:ln>
-        </p:spPr>
-        <p:txBody>
-          <a:bodyPr/>
-          <a:lstStyle/>
-          <a:p>
-            <a:endParaRPr lang="es-ES"/>
-          </a:p>
-        </p:txBody>
-      </p:sp>
-      <p:sp>
-        <p:nvSpPr>
-          <p:cNvPr id="48" name="AutoShape 45"/>
-          <p:cNvSpPr>
-            <a:spLocks noChangeArrowheads="1"/>
-          </p:cNvSpPr>
-          <p:nvPr/>
-        </p:nvSpPr>
-        <p:spPr bwMode="auto">
-          <a:xfrm rot="9804243">
-            <a:off x="2361683" y="3765685"/>
-            <a:ext cx="37236" cy="140561"/>
-          </a:xfrm>
-          <a:prstGeom prst="upArrow">
-            <a:avLst>
-              <a:gd name="adj1" fmla="val 50000"/>
-              <a:gd name="adj2" fmla="val 96591"/>
-            </a:avLst>
-          </a:prstGeom>
-          <a:solidFill>
-            <a:srgbClr val="FFFFFF"/>
-          </a:solidFill>
-          <a:ln w="9525">
-            <a:solidFill>
-              <a:srgbClr val="000000"/>
-            </a:solidFill>
-            <a:miter lim="800000"/>
-            <a:headEnd/>
-            <a:tailEnd/>
-          </a:ln>
-        </p:spPr>
-        <p:txBody>
-          <a:bodyPr/>
-          <a:lstStyle/>
-          <a:p>
-            <a:endParaRPr lang="es-ES"/>
-          </a:p>
-        </p:txBody>
-      </p:sp>
-      <p:sp>
-        <p:nvSpPr>
-          <p:cNvPr id="49" name="Line 46"/>
-          <p:cNvSpPr>
-            <a:spLocks noChangeShapeType="1"/>
-          </p:cNvSpPr>
-          <p:nvPr/>
-        </p:nvSpPr>
-        <p:spPr bwMode="auto">
-          <a:xfrm rot="10800000" flipV="1">
-            <a:off x="2165345" y="3735919"/>
-            <a:ext cx="280966" cy="44649"/>
-          </a:xfrm>
-          <a:prstGeom prst="line">
-            <a:avLst/>
-          </a:prstGeom>
-          <a:noFill/>
-          <a:ln w="9525">
+            <a:ln w="9525">
+              <a:solidFill>
+                <a:srgbClr val="0000FF"/>
+              </a:solidFill>
+              <a:round/>
+              <a:headEnd/>
+              <a:tailEnd/>
+            </a:ln>
+          </p:spPr>
+          <p:txBody>
+            <a:bodyPr/>
+            <a:lstStyle/>
+            <a:p>
+              <a:endParaRPr lang="es-ES"/>
+            </a:p>
+          </p:txBody>
+        </p:sp>
+        <p:sp>
+          <p:nvSpPr>
+            <p:cNvPr id="201" name="AutoShape 36"/>
+            <p:cNvSpPr>
+              <a:spLocks noChangeArrowheads="1"/>
+            </p:cNvSpPr>
+            <p:nvPr/>
+          </p:nvSpPr>
+          <p:spPr bwMode="auto">
+            <a:xfrm rot="10050136" flipV="1">
+              <a:off x="5807583" y="3123121"/>
+              <a:ext cx="214315" cy="142876"/>
+            </a:xfrm>
+            <a:prstGeom prst="triangle">
+              <a:avLst>
+                <a:gd name="adj" fmla="val 50000"/>
+              </a:avLst>
+            </a:prstGeom>
             <a:solidFill>
               <a:srgbClr val="FF0000"/>
             </a:solidFill>
-            <a:round/>
-            <a:headEnd/>
-            <a:tailEnd/>
-          </a:ln>
-        </p:spPr>
-        <p:txBody>
-          <a:bodyPr/>
-          <a:lstStyle/>
-          <a:p>
-            <a:endParaRPr lang="es-ES"/>
-          </a:p>
-        </p:txBody>
-      </p:sp>
-      <p:sp>
-        <p:nvSpPr>
-          <p:cNvPr id="50" name="Line 47"/>
-          <p:cNvSpPr>
-            <a:spLocks noChangeShapeType="1"/>
-          </p:cNvSpPr>
-          <p:nvPr/>
-        </p:nvSpPr>
-        <p:spPr bwMode="auto">
-          <a:xfrm rot="10800000" flipH="1">
-            <a:off x="2165345" y="3603626"/>
-            <a:ext cx="561932" cy="176941"/>
-          </a:xfrm>
-          <a:prstGeom prst="line">
-            <a:avLst/>
-          </a:prstGeom>
-          <a:noFill/>
-          <a:ln w="9525">
+            <a:ln w="9525">
+              <a:solidFill>
+                <a:srgbClr val="FF0000"/>
+              </a:solidFill>
+              <a:miter lim="800000"/>
+              <a:headEnd/>
+              <a:tailEnd/>
+            </a:ln>
+          </p:spPr>
+          <p:txBody>
+            <a:bodyPr/>
+            <a:lstStyle/>
+            <a:p>
+              <a:endParaRPr lang="es-ES"/>
+            </a:p>
+          </p:txBody>
+        </p:sp>
+        <p:sp>
+          <p:nvSpPr>
+            <p:cNvPr id="202" name="Oval 35"/>
+            <p:cNvSpPr>
+              <a:spLocks noChangeArrowheads="1"/>
+            </p:cNvSpPr>
+            <p:nvPr/>
+          </p:nvSpPr>
+          <p:spPr bwMode="auto">
+            <a:xfrm rot="10800000">
+              <a:off x="5643570" y="3500438"/>
+              <a:ext cx="142877" cy="145426"/>
+            </a:xfrm>
+            <a:prstGeom prst="ellipse">
+              <a:avLst/>
+            </a:prstGeom>
+            <a:solidFill>
+              <a:srgbClr val="0000FF"/>
+            </a:solidFill>
+            <a:ln w="9525">
+              <a:solidFill>
+                <a:srgbClr val="0000FF"/>
+              </a:solidFill>
+              <a:round/>
+              <a:headEnd/>
+              <a:tailEnd/>
+            </a:ln>
+          </p:spPr>
+          <p:txBody>
+            <a:bodyPr/>
+            <a:lstStyle/>
+            <a:p>
+              <a:endParaRPr lang="es-ES"/>
+            </a:p>
+          </p:txBody>
+        </p:sp>
+        <p:sp>
+          <p:nvSpPr>
+            <p:cNvPr id="203" name="Oval 35"/>
+            <p:cNvSpPr>
+              <a:spLocks noChangeArrowheads="1"/>
+            </p:cNvSpPr>
+            <p:nvPr/>
+          </p:nvSpPr>
+          <p:spPr bwMode="auto">
+            <a:xfrm rot="10800000">
+              <a:off x="6929454" y="1714488"/>
+              <a:ext cx="142877" cy="145426"/>
+            </a:xfrm>
+            <a:prstGeom prst="ellipse">
+              <a:avLst/>
+            </a:prstGeom>
+            <a:solidFill>
+              <a:srgbClr val="0000FF"/>
+            </a:solidFill>
+            <a:ln w="9525">
+              <a:solidFill>
+                <a:srgbClr val="0000FF"/>
+              </a:solidFill>
+              <a:round/>
+              <a:headEnd/>
+              <a:tailEnd/>
+            </a:ln>
+          </p:spPr>
+          <p:txBody>
+            <a:bodyPr/>
+            <a:lstStyle/>
+            <a:p>
+              <a:endParaRPr lang="es-ES"/>
+            </a:p>
+          </p:txBody>
+        </p:sp>
+        <p:sp>
+          <p:nvSpPr>
+            <p:cNvPr id="204" name="AutoShape 36"/>
+            <p:cNvSpPr>
+              <a:spLocks noChangeArrowheads="1"/>
+            </p:cNvSpPr>
+            <p:nvPr/>
+          </p:nvSpPr>
+          <p:spPr bwMode="auto">
+            <a:xfrm rot="11120589" flipV="1">
+              <a:off x="6879155" y="2122990"/>
+              <a:ext cx="214315" cy="142876"/>
+            </a:xfrm>
+            <a:prstGeom prst="triangle">
+              <a:avLst>
+                <a:gd name="adj" fmla="val 50000"/>
+              </a:avLst>
+            </a:prstGeom>
             <a:solidFill>
               <a:srgbClr val="FF0000"/>
             </a:solidFill>
-            <a:round/>
-            <a:headEnd/>
-            <a:tailEnd type="triangle" w="sm" len="sm"/>
-          </a:ln>
-        </p:spPr>
-        <p:txBody>
-          <a:bodyPr/>
-          <a:lstStyle/>
-          <a:p>
-            <a:endParaRPr lang="es-ES"/>
-          </a:p>
-        </p:txBody>
-      </p:sp>
-      <p:sp>
-        <p:nvSpPr>
-          <p:cNvPr id="51" name="Freeform 48"/>
-          <p:cNvSpPr>
-            <a:spLocks/>
-          </p:cNvSpPr>
-          <p:nvPr/>
-        </p:nvSpPr>
-        <p:spPr bwMode="auto">
-          <a:xfrm rot="10800000">
-            <a:off x="2334602" y="3029807"/>
-            <a:ext cx="539929" cy="706112"/>
-          </a:xfrm>
-          <a:custGeom>
-            <a:avLst/>
-            <a:gdLst>
-              <a:gd name="T0" fmla="*/ 171 w 2070"/>
-              <a:gd name="T1" fmla="*/ 427 h 2880"/>
-              <a:gd name="T2" fmla="*/ 60 w 2070"/>
-              <a:gd name="T3" fmla="*/ 347 h 2880"/>
-              <a:gd name="T4" fmla="*/ 5 w 2070"/>
-              <a:gd name="T5" fmla="*/ 133 h 2880"/>
-              <a:gd name="T6" fmla="*/ 32 w 2070"/>
-              <a:gd name="T7" fmla="*/ 160 h 2880"/>
-              <a:gd name="T8" fmla="*/ 88 w 2070"/>
-              <a:gd name="T9" fmla="*/ 187 h 2880"/>
-              <a:gd name="T10" fmla="*/ 171 w 2070"/>
-              <a:gd name="T11" fmla="*/ 187 h 2880"/>
-              <a:gd name="T12" fmla="*/ 254 w 2070"/>
-              <a:gd name="T13" fmla="*/ 160 h 2880"/>
-              <a:gd name="T14" fmla="*/ 310 w 2070"/>
-              <a:gd name="T15" fmla="*/ 53 h 2880"/>
-              <a:gd name="T16" fmla="*/ 310 w 2070"/>
-              <a:gd name="T17" fmla="*/ 0 h 2880"/>
-              <a:gd name="T18" fmla="*/ 0 60000 65536"/>
-              <a:gd name="T19" fmla="*/ 0 60000 65536"/>
-              <a:gd name="T20" fmla="*/ 0 60000 65536"/>
-              <a:gd name="T21" fmla="*/ 0 60000 65536"/>
-              <a:gd name="T22" fmla="*/ 0 60000 65536"/>
-              <a:gd name="T23" fmla="*/ 0 60000 65536"/>
-              <a:gd name="T24" fmla="*/ 0 60000 65536"/>
-              <a:gd name="T25" fmla="*/ 0 60000 65536"/>
-              <a:gd name="T26" fmla="*/ 0 60000 65536"/>
-              <a:gd name="T27" fmla="*/ 0 w 2070"/>
-              <a:gd name="T28" fmla="*/ 0 h 2880"/>
-              <a:gd name="T29" fmla="*/ 2070 w 2070"/>
-              <a:gd name="T30" fmla="*/ 2880 h 2880"/>
-            </a:gdLst>
-            <a:ahLst/>
-            <a:cxnLst>
-              <a:cxn ang="T18">
-                <a:pos x="T0" y="T1"/>
-              </a:cxn>
-              <a:cxn ang="T19">
-                <a:pos x="T2" y="T3"/>
-              </a:cxn>
-              <a:cxn ang="T20">
-                <a:pos x="T4" y="T5"/>
-              </a:cxn>
-              <a:cxn ang="T21">
-                <a:pos x="T6" y="T7"/>
-              </a:cxn>
-              <a:cxn ang="T22">
-                <a:pos x="T8" y="T9"/>
-              </a:cxn>
-              <a:cxn ang="T23">
-                <a:pos x="T10" y="T11"/>
-              </a:cxn>
-              <a:cxn ang="T24">
-                <a:pos x="T12" y="T13"/>
-              </a:cxn>
-              <a:cxn ang="T25">
-                <a:pos x="T14" y="T15"/>
-              </a:cxn>
-              <a:cxn ang="T26">
-                <a:pos x="T16" y="T17"/>
-              </a:cxn>
-            </a:cxnLst>
-            <a:rect l="T27" t="T28" r="T29" b="T30"/>
-            <a:pathLst>
-              <a:path w="2070" h="2880">
-                <a:moveTo>
-                  <a:pt x="1110" y="2880"/>
-                </a:moveTo>
-                <a:cubicBezTo>
-                  <a:pt x="840" y="2775"/>
-                  <a:pt x="570" y="2670"/>
-                  <a:pt x="390" y="2340"/>
-                </a:cubicBezTo>
-                <a:cubicBezTo>
-                  <a:pt x="210" y="2010"/>
-                  <a:pt x="60" y="1110"/>
-                  <a:pt x="30" y="900"/>
-                </a:cubicBezTo>
-                <a:cubicBezTo>
-                  <a:pt x="0" y="690"/>
-                  <a:pt x="120" y="1020"/>
-                  <a:pt x="210" y="1080"/>
-                </a:cubicBezTo>
-                <a:cubicBezTo>
-                  <a:pt x="300" y="1140"/>
-                  <a:pt x="420" y="1230"/>
-                  <a:pt x="570" y="1260"/>
-                </a:cubicBezTo>
-                <a:cubicBezTo>
-                  <a:pt x="720" y="1290"/>
-                  <a:pt x="930" y="1290"/>
-                  <a:pt x="1110" y="1260"/>
-                </a:cubicBezTo>
-                <a:cubicBezTo>
-                  <a:pt x="1290" y="1230"/>
-                  <a:pt x="1500" y="1230"/>
-                  <a:pt x="1650" y="1080"/>
-                </a:cubicBezTo>
-                <a:cubicBezTo>
-                  <a:pt x="1800" y="930"/>
-                  <a:pt x="1950" y="540"/>
-                  <a:pt x="2010" y="360"/>
-                </a:cubicBezTo>
-                <a:cubicBezTo>
-                  <a:pt x="2070" y="180"/>
-                  <a:pt x="2010" y="60"/>
-                  <a:pt x="2010" y="0"/>
-                </a:cubicBezTo>
-              </a:path>
-            </a:pathLst>
-          </a:custGeom>
-          <a:noFill/>
-          <a:ln w="9525">
+            <a:ln w="9525">
+              <a:solidFill>
+                <a:srgbClr val="FF0000"/>
+              </a:solidFill>
+              <a:miter lim="800000"/>
+              <a:headEnd/>
+              <a:tailEnd/>
+            </a:ln>
+          </p:spPr>
+          <p:txBody>
+            <a:bodyPr/>
+            <a:lstStyle/>
+            <a:p>
+              <a:endParaRPr lang="es-ES"/>
+            </a:p>
+          </p:txBody>
+        </p:sp>
+        <p:sp>
+          <p:nvSpPr>
+            <p:cNvPr id="205" name="Oval 35"/>
+            <p:cNvSpPr>
+              <a:spLocks noChangeArrowheads="1"/>
+            </p:cNvSpPr>
+            <p:nvPr/>
+          </p:nvSpPr>
+          <p:spPr bwMode="auto">
+            <a:xfrm rot="12711485">
+              <a:off x="8299127" y="3468207"/>
+              <a:ext cx="142877" cy="145426"/>
+            </a:xfrm>
+            <a:prstGeom prst="ellipse">
+              <a:avLst/>
+            </a:prstGeom>
             <a:solidFill>
               <a:srgbClr val="0000FF"/>
             </a:solidFill>
-            <a:round/>
-            <a:headEnd/>
-            <a:tailEnd type="triangle" w="sm" len="sm"/>
-          </a:ln>
-        </p:spPr>
-        <p:txBody>
-          <a:bodyPr/>
-          <a:lstStyle/>
-          <a:p>
-            <a:endParaRPr lang="es-ES"/>
-          </a:p>
-        </p:txBody>
-      </p:sp>
-      <p:sp>
-        <p:nvSpPr>
-          <p:cNvPr id="35" name="AutoShape 50"/>
-          <p:cNvSpPr>
-            <a:spLocks noChangeArrowheads="1"/>
-          </p:cNvSpPr>
-          <p:nvPr/>
-        </p:nvSpPr>
-        <p:spPr bwMode="auto">
-          <a:xfrm rot="10800000" flipV="1">
-            <a:off x="4966894" y="3749479"/>
-            <a:ext cx="37236" cy="105834"/>
-          </a:xfrm>
-          <a:prstGeom prst="triangle">
-            <a:avLst>
-              <a:gd name="adj" fmla="val 50000"/>
-            </a:avLst>
-          </a:prstGeom>
-          <a:solidFill>
-            <a:srgbClr val="008000"/>
-          </a:solidFill>
-          <a:ln w="9525">
-            <a:solidFill>
-              <a:srgbClr val="008000"/>
-            </a:solidFill>
-            <a:miter lim="800000"/>
-            <a:headEnd/>
-            <a:tailEnd/>
-          </a:ln>
-        </p:spPr>
-        <p:txBody>
-          <a:bodyPr/>
-          <a:lstStyle/>
-          <a:p>
-            <a:endParaRPr lang="es-ES"/>
-          </a:p>
-        </p:txBody>
-      </p:sp>
-      <p:sp>
-        <p:nvSpPr>
-          <p:cNvPr id="36" name="AutoShape 51"/>
-          <p:cNvSpPr>
-            <a:spLocks noChangeArrowheads="1"/>
-          </p:cNvSpPr>
-          <p:nvPr/>
-        </p:nvSpPr>
-        <p:spPr bwMode="auto">
-          <a:xfrm rot="10800000" flipV="1">
-            <a:off x="4254323" y="3785860"/>
-            <a:ext cx="37236" cy="105834"/>
-          </a:xfrm>
-          <a:prstGeom prst="triangle">
-            <a:avLst>
-              <a:gd name="adj" fmla="val 50000"/>
-            </a:avLst>
-          </a:prstGeom>
-          <a:solidFill>
-            <a:srgbClr val="008000"/>
-          </a:solidFill>
-          <a:ln w="9525">
-            <a:solidFill>
-              <a:srgbClr val="008000"/>
-            </a:solidFill>
-            <a:miter lim="800000"/>
-            <a:headEnd/>
-            <a:tailEnd/>
-          </a:ln>
-        </p:spPr>
-        <p:txBody>
-          <a:bodyPr/>
-          <a:lstStyle/>
-          <a:p>
-            <a:endParaRPr lang="es-ES"/>
-          </a:p>
-        </p:txBody>
-      </p:sp>
-      <p:sp>
-        <p:nvSpPr>
-          <p:cNvPr id="27" name="Oval 35"/>
-          <p:cNvSpPr>
-            <a:spLocks noChangeArrowheads="1"/>
-          </p:cNvSpPr>
-          <p:nvPr/>
-        </p:nvSpPr>
-        <p:spPr bwMode="auto">
-          <a:xfrm rot="10800000">
-            <a:off x="6357948" y="2428868"/>
-            <a:ext cx="142877" cy="145426"/>
-          </a:xfrm>
-          <a:prstGeom prst="ellipse">
-            <a:avLst/>
-          </a:prstGeom>
-          <a:solidFill>
-            <a:srgbClr val="0000FF"/>
-          </a:solidFill>
-          <a:ln w="9525">
-            <a:solidFill>
-              <a:srgbClr val="0000FF"/>
-            </a:solidFill>
-            <a:round/>
-            <a:headEnd/>
-            <a:tailEnd/>
-          </a:ln>
-        </p:spPr>
-        <p:txBody>
-          <a:bodyPr/>
-          <a:lstStyle/>
-          <a:p>
-            <a:endParaRPr lang="es-ES"/>
-          </a:p>
-        </p:txBody>
-      </p:sp>
-      <p:sp>
-        <p:nvSpPr>
-          <p:cNvPr id="28" name="AutoShape 36"/>
-          <p:cNvSpPr>
-            <a:spLocks noChangeArrowheads="1"/>
-          </p:cNvSpPr>
-          <p:nvPr/>
-        </p:nvSpPr>
-        <p:spPr bwMode="auto">
-          <a:xfrm rot="10800000" flipV="1">
-            <a:off x="5786444" y="2285992"/>
-            <a:ext cx="214315" cy="142876"/>
-          </a:xfrm>
-          <a:prstGeom prst="triangle">
-            <a:avLst>
-              <a:gd name="adj" fmla="val 50000"/>
-            </a:avLst>
-          </a:prstGeom>
-          <a:solidFill>
-            <a:srgbClr val="FF0000"/>
-          </a:solidFill>
-          <a:ln w="9525">
+            <a:ln w="9525">
+              <a:solidFill>
+                <a:srgbClr val="0000FF"/>
+              </a:solidFill>
+              <a:round/>
+              <a:headEnd/>
+              <a:tailEnd/>
+            </a:ln>
+          </p:spPr>
+          <p:txBody>
+            <a:bodyPr/>
+            <a:lstStyle/>
+            <a:p>
+              <a:endParaRPr lang="es-ES"/>
+            </a:p>
+          </p:txBody>
+        </p:sp>
+        <p:sp>
+          <p:nvSpPr>
+            <p:cNvPr id="206" name="AutoShape 36"/>
+            <p:cNvSpPr>
+              <a:spLocks noChangeArrowheads="1"/>
+            </p:cNvSpPr>
+            <p:nvPr/>
+          </p:nvSpPr>
+          <p:spPr bwMode="auto">
+            <a:xfrm rot="14525525" flipV="1">
+              <a:off x="8078590" y="3199942"/>
+              <a:ext cx="214315" cy="142876"/>
+            </a:xfrm>
+            <a:prstGeom prst="triangle">
+              <a:avLst>
+                <a:gd name="adj" fmla="val 50000"/>
+              </a:avLst>
+            </a:prstGeom>
             <a:solidFill>
               <a:srgbClr val="FF0000"/>
             </a:solidFill>
-            <a:miter lim="800000"/>
-            <a:headEnd/>
-            <a:tailEnd/>
-          </a:ln>
-        </p:spPr>
-        <p:txBody>
-          <a:bodyPr/>
-          <a:lstStyle/>
-          <a:p>
-            <a:endParaRPr lang="es-ES"/>
-          </a:p>
-        </p:txBody>
-      </p:sp>
-      <p:sp>
-        <p:nvSpPr>
-          <p:cNvPr id="29" name="Oval 14"/>
-          <p:cNvSpPr>
-            <a:spLocks noChangeArrowheads="1"/>
-          </p:cNvSpPr>
-          <p:nvPr/>
-        </p:nvSpPr>
-        <p:spPr bwMode="auto">
-          <a:xfrm>
-            <a:off x="6357950" y="2643182"/>
-            <a:ext cx="71438" cy="71438"/>
-          </a:xfrm>
-          <a:prstGeom prst="ellipse">
-            <a:avLst/>
-          </a:prstGeom>
-          <a:solidFill>
-            <a:srgbClr val="000000"/>
-          </a:solidFill>
-          <a:ln w="9360">
-            <a:solidFill>
-              <a:srgbClr val="000000"/>
-            </a:solidFill>
-            <a:miter lim="800000"/>
-            <a:headEnd/>
-            <a:tailEnd/>
-          </a:ln>
-        </p:spPr>
-        <p:txBody>
-          <a:bodyPr wrap="none" anchor="ctr"/>
-          <a:lstStyle/>
-          <a:p>
-            <a:endParaRPr lang="es-ES"/>
-          </a:p>
-        </p:txBody>
-      </p:sp>
+            <a:ln w="9525">
+              <a:solidFill>
+                <a:srgbClr val="FF0000"/>
+              </a:solidFill>
+              <a:miter lim="800000"/>
+              <a:headEnd/>
+              <a:tailEnd/>
+            </a:ln>
+          </p:spPr>
+          <p:txBody>
+            <a:bodyPr/>
+            <a:lstStyle/>
+            <a:p>
+              <a:endParaRPr lang="es-ES"/>
+            </a:p>
+          </p:txBody>
+        </p:sp>
+      </p:grpSp>
     </p:spTree>
   </p:cSld>
   <p:clrMapOvr>
